--- a/Voice Authentication.pptx
+++ b/Voice Authentication.pptx
@@ -6,6 +6,10 @@
   </p:sldMasterIdLst>
   <p:sldIdLst>
     <p:sldId id="256" r:id="rId2"/>
+    <p:sldId id="257" r:id="rId3"/>
+    <p:sldId id="258" r:id="rId4"/>
+    <p:sldId id="260" r:id="rId5"/>
+    <p:sldId id="259" r:id="rId6"/>
   </p:sldIdLst>
   <p:sldSz cx="9144000" cy="6858000" type="screen4x3"/>
   <p:notesSz cx="6858000" cy="9144000"/>
@@ -288,7 +292,8 @@
           <a:p>
             <a:fld id="{8279061B-5D53-4E03-8250-5E15A452924D}" type="datetimeFigureOut">
               <a:rPr lang="en-US" smtClean="0"/>
-              <a:t>8/31/2022</a:t>
+              <a:pPr/>
+              <a:t>9/2/2022</a:t>
             </a:fld>
             <a:endParaRPr lang="en-US"/>
           </a:p>
@@ -330,6 +335,7 @@
           <a:p>
             <a:fld id="{AA4A70EE-1A82-454A-8D66-6E14F0F28251}" type="slidenum">
               <a:rPr lang="en-US" smtClean="0"/>
+              <a:pPr/>
               <a:t>‹#›</a:t>
             </a:fld>
             <a:endParaRPr lang="en-US"/>
@@ -453,7 +459,8 @@
           <a:p>
             <a:fld id="{8279061B-5D53-4E03-8250-5E15A452924D}" type="datetimeFigureOut">
               <a:rPr lang="en-US" smtClean="0"/>
-              <a:t>8/31/2022</a:t>
+              <a:pPr/>
+              <a:t>9/2/2022</a:t>
             </a:fld>
             <a:endParaRPr lang="en-US"/>
           </a:p>
@@ -495,6 +502,7 @@
           <a:p>
             <a:fld id="{AA4A70EE-1A82-454A-8D66-6E14F0F28251}" type="slidenum">
               <a:rPr lang="en-US" smtClean="0"/>
+              <a:pPr/>
               <a:t>‹#›</a:t>
             </a:fld>
             <a:endParaRPr lang="en-US"/>
@@ -628,7 +636,8 @@
           <a:p>
             <a:fld id="{8279061B-5D53-4E03-8250-5E15A452924D}" type="datetimeFigureOut">
               <a:rPr lang="en-US" smtClean="0"/>
-              <a:t>8/31/2022</a:t>
+              <a:pPr/>
+              <a:t>9/2/2022</a:t>
             </a:fld>
             <a:endParaRPr lang="en-US"/>
           </a:p>
@@ -670,6 +679,7 @@
           <a:p>
             <a:fld id="{AA4A70EE-1A82-454A-8D66-6E14F0F28251}" type="slidenum">
               <a:rPr lang="en-US" smtClean="0"/>
+              <a:pPr/>
               <a:t>‹#›</a:t>
             </a:fld>
             <a:endParaRPr lang="en-US"/>
@@ -793,7 +803,8 @@
           <a:p>
             <a:fld id="{8279061B-5D53-4E03-8250-5E15A452924D}" type="datetimeFigureOut">
               <a:rPr lang="en-US" smtClean="0"/>
-              <a:t>8/31/2022</a:t>
+              <a:pPr/>
+              <a:t>9/2/2022</a:t>
             </a:fld>
             <a:endParaRPr lang="en-US"/>
           </a:p>
@@ -835,6 +846,7 @@
           <a:p>
             <a:fld id="{AA4A70EE-1A82-454A-8D66-6E14F0F28251}" type="slidenum">
               <a:rPr lang="en-US" smtClean="0"/>
+              <a:pPr/>
               <a:t>‹#›</a:t>
             </a:fld>
             <a:endParaRPr lang="en-US"/>
@@ -1034,7 +1046,8 @@
           <a:p>
             <a:fld id="{8279061B-5D53-4E03-8250-5E15A452924D}" type="datetimeFigureOut">
               <a:rPr lang="en-US" smtClean="0"/>
-              <a:t>8/31/2022</a:t>
+              <a:pPr/>
+              <a:t>9/2/2022</a:t>
             </a:fld>
             <a:endParaRPr lang="en-US"/>
           </a:p>
@@ -1076,6 +1089,7 @@
           <a:p>
             <a:fld id="{AA4A70EE-1A82-454A-8D66-6E14F0F28251}" type="slidenum">
               <a:rPr lang="en-US" smtClean="0"/>
+              <a:pPr/>
               <a:t>‹#›</a:t>
             </a:fld>
             <a:endParaRPr lang="en-US"/>
@@ -1317,7 +1331,8 @@
           <a:p>
             <a:fld id="{8279061B-5D53-4E03-8250-5E15A452924D}" type="datetimeFigureOut">
               <a:rPr lang="en-US" smtClean="0"/>
-              <a:t>8/31/2022</a:t>
+              <a:pPr/>
+              <a:t>9/2/2022</a:t>
             </a:fld>
             <a:endParaRPr lang="en-US"/>
           </a:p>
@@ -1359,6 +1374,7 @@
           <a:p>
             <a:fld id="{AA4A70EE-1A82-454A-8D66-6E14F0F28251}" type="slidenum">
               <a:rPr lang="en-US" smtClean="0"/>
+              <a:pPr/>
               <a:t>‹#›</a:t>
             </a:fld>
             <a:endParaRPr lang="en-US"/>
@@ -1734,7 +1750,8 @@
           <a:p>
             <a:fld id="{8279061B-5D53-4E03-8250-5E15A452924D}" type="datetimeFigureOut">
               <a:rPr lang="en-US" smtClean="0"/>
-              <a:t>8/31/2022</a:t>
+              <a:pPr/>
+              <a:t>9/2/2022</a:t>
             </a:fld>
             <a:endParaRPr lang="en-US"/>
           </a:p>
@@ -1776,6 +1793,7 @@
           <a:p>
             <a:fld id="{AA4A70EE-1A82-454A-8D66-6E14F0F28251}" type="slidenum">
               <a:rPr lang="en-US" smtClean="0"/>
+              <a:pPr/>
               <a:t>‹#›</a:t>
             </a:fld>
             <a:endParaRPr lang="en-US"/>
@@ -1847,7 +1865,8 @@
           <a:p>
             <a:fld id="{8279061B-5D53-4E03-8250-5E15A452924D}" type="datetimeFigureOut">
               <a:rPr lang="en-US" smtClean="0"/>
-              <a:t>8/31/2022</a:t>
+              <a:pPr/>
+              <a:t>9/2/2022</a:t>
             </a:fld>
             <a:endParaRPr lang="en-US"/>
           </a:p>
@@ -1889,6 +1908,7 @@
           <a:p>
             <a:fld id="{AA4A70EE-1A82-454A-8D66-6E14F0F28251}" type="slidenum">
               <a:rPr lang="en-US" smtClean="0"/>
+              <a:pPr/>
               <a:t>‹#›</a:t>
             </a:fld>
             <a:endParaRPr lang="en-US"/>
@@ -1937,7 +1957,8 @@
           <a:p>
             <a:fld id="{8279061B-5D53-4E03-8250-5E15A452924D}" type="datetimeFigureOut">
               <a:rPr lang="en-US" smtClean="0"/>
-              <a:t>8/31/2022</a:t>
+              <a:pPr/>
+              <a:t>9/2/2022</a:t>
             </a:fld>
             <a:endParaRPr lang="en-US"/>
           </a:p>
@@ -1979,6 +2000,7 @@
           <a:p>
             <a:fld id="{AA4A70EE-1A82-454A-8D66-6E14F0F28251}" type="slidenum">
               <a:rPr lang="en-US" smtClean="0"/>
+              <a:pPr/>
               <a:t>‹#›</a:t>
             </a:fld>
             <a:endParaRPr lang="en-US"/>
@@ -2209,7 +2231,8 @@
           <a:p>
             <a:fld id="{8279061B-5D53-4E03-8250-5E15A452924D}" type="datetimeFigureOut">
               <a:rPr lang="en-US" smtClean="0"/>
-              <a:t>8/31/2022</a:t>
+              <a:pPr/>
+              <a:t>9/2/2022</a:t>
             </a:fld>
             <a:endParaRPr lang="en-US"/>
           </a:p>
@@ -2251,6 +2274,7 @@
           <a:p>
             <a:fld id="{AA4A70EE-1A82-454A-8D66-6E14F0F28251}" type="slidenum">
               <a:rPr lang="en-US" smtClean="0"/>
+              <a:pPr/>
               <a:t>‹#›</a:t>
             </a:fld>
             <a:endParaRPr lang="en-US"/>
@@ -2457,7 +2481,8 @@
           <a:p>
             <a:fld id="{8279061B-5D53-4E03-8250-5E15A452924D}" type="datetimeFigureOut">
               <a:rPr lang="en-US" smtClean="0"/>
-              <a:t>8/31/2022</a:t>
+              <a:pPr/>
+              <a:t>9/2/2022</a:t>
             </a:fld>
             <a:endParaRPr lang="en-US"/>
           </a:p>
@@ -2499,6 +2524,7 @@
           <a:p>
             <a:fld id="{AA4A70EE-1A82-454A-8D66-6E14F0F28251}" type="slidenum">
               <a:rPr lang="en-US" smtClean="0"/>
+              <a:pPr/>
               <a:t>‹#›</a:t>
             </a:fld>
             <a:endParaRPr lang="en-US"/>
@@ -2665,7 +2691,8 @@
           <a:p>
             <a:fld id="{8279061B-5D53-4E03-8250-5E15A452924D}" type="datetimeFigureOut">
               <a:rPr lang="en-US" smtClean="0"/>
-              <a:t>8/31/2022</a:t>
+              <a:pPr/>
+              <a:t>9/2/2022</a:t>
             </a:fld>
             <a:endParaRPr lang="en-US"/>
           </a:p>
@@ -2743,6 +2770,7 @@
           <a:p>
             <a:fld id="{AA4A70EE-1A82-454A-8D66-6E14F0F28251}" type="slidenum">
               <a:rPr lang="en-US" smtClean="0"/>
+              <a:pPr/>
               <a:t>‹#›</a:t>
             </a:fld>
             <a:endParaRPr lang="en-US"/>
@@ -3037,14 +3065,720 @@
       </p:grpSpPr>
       <p:sp>
         <p:nvSpPr>
-          <p:cNvPr id="4" name="Rectangle 3"/>
+          <p:cNvPr id="20" name="Title 19"/>
+          <p:cNvSpPr>
+            <a:spLocks noGrp="1"/>
+          </p:cNvSpPr>
+          <p:nvPr>
+            <p:ph type="title"/>
+          </p:nvPr>
+        </p:nvSpPr>
+        <p:spPr>
+          <a:xfrm>
+            <a:off x="0" y="274638"/>
+            <a:ext cx="9144000" cy="939784"/>
+          </a:xfrm>
+        </p:spPr>
+        <p:txBody>
+          <a:bodyPr>
+            <a:normAutofit/>
+          </a:bodyPr>
+          <a:lstStyle/>
+          <a:p>
+            <a:r>
+              <a:rPr lang="en-IN" sz="4800" u="sng" dirty="0" smtClean="0">
+                <a:solidFill>
+                  <a:srgbClr val="00B050"/>
+                </a:solidFill>
+                <a:latin typeface="Arial Black" pitchFamily="34" charset="0"/>
+              </a:rPr>
+              <a:t>Voice Authentication</a:t>
+            </a:r>
+            <a:endParaRPr lang="en-US" sz="4800" u="sng" dirty="0">
+              <a:solidFill>
+                <a:srgbClr val="00B050"/>
+              </a:solidFill>
+              <a:latin typeface="Arial Black" pitchFamily="34" charset="0"/>
+            </a:endParaRPr>
+          </a:p>
+        </p:txBody>
+      </p:sp>
+      <p:sp>
+        <p:nvSpPr>
+          <p:cNvPr id="21" name="Content Placeholder 20"/>
+          <p:cNvSpPr>
+            <a:spLocks noGrp="1"/>
+          </p:cNvSpPr>
+          <p:nvPr>
+            <p:ph idx="1"/>
+          </p:nvPr>
+        </p:nvSpPr>
+        <p:spPr>
+          <a:xfrm>
+            <a:off x="0" y="1214422"/>
+            <a:ext cx="9144000" cy="5643578"/>
+          </a:xfrm>
+        </p:spPr>
+        <p:txBody>
+          <a:bodyPr>
+            <a:normAutofit/>
+          </a:bodyPr>
+          <a:lstStyle/>
+          <a:p>
+            <a:r>
+              <a:rPr lang="en-US" sz="5100" b="1" u="sng" dirty="0" smtClean="0">
+                <a:solidFill>
+                  <a:srgbClr val="FF0000"/>
+                </a:solidFill>
+              </a:rPr>
+              <a:t>Problem Statement</a:t>
+            </a:r>
+          </a:p>
+          <a:p>
+            <a:r>
+              <a:rPr lang="en-US" sz="2800" dirty="0" smtClean="0"/>
+              <a:t>Authentication measures of Caller ID / PIN (personal identification numbers) / Security Questions / Device Signatures are sometime inadequate and intrusive. Identify creative methods of Customer Authentication which can be used on various channels. This should be done without deteriorating the customer experience.</a:t>
+            </a:r>
+          </a:p>
+          <a:p>
+            <a:r>
+              <a:rPr lang="en-US" sz="2800" dirty="0" smtClean="0"/>
+              <a:t/>
+            </a:r>
+            <a:br>
+              <a:rPr lang="en-US" sz="2800" dirty="0" smtClean="0"/>
+            </a:br>
+            <a:endParaRPr lang="en-IN" dirty="0" smtClean="0"/>
+          </a:p>
+          <a:p>
+            <a:endParaRPr lang="en-IN" dirty="0" smtClean="0"/>
+          </a:p>
+          <a:p>
+            <a:endParaRPr lang="en-US" dirty="0"/>
+          </a:p>
+        </p:txBody>
+      </p:sp>
+    </p:spTree>
+  </p:cSld>
+  <p:clrMapOvr>
+    <a:masterClrMapping/>
+  </p:clrMapOvr>
+</p:sld>
+</file>
+
+<file path=ppt/slides/slide2.xml><?xml version="1.0" encoding="utf-8"?>
+<p:sld xmlns:a="http://schemas.openxmlformats.org/drawingml/2006/main" xmlns:r="http://schemas.openxmlformats.org/officeDocument/2006/relationships" xmlns:p="http://schemas.openxmlformats.org/presentationml/2006/main">
+  <p:cSld>
+    <p:spTree>
+      <p:nvGrpSpPr>
+        <p:cNvPr id="1" name=""/>
+        <p:cNvGrpSpPr/>
+        <p:nvPr/>
+      </p:nvGrpSpPr>
+      <p:grpSpPr>
+        <a:xfrm>
+          <a:off x="0" y="0"/>
+          <a:ext cx="0" cy="0"/>
+          <a:chOff x="0" y="0"/>
+          <a:chExt cx="0" cy="0"/>
+        </a:xfrm>
+      </p:grpSpPr>
+      <p:sp>
+        <p:nvSpPr>
+          <p:cNvPr id="2" name="Title 1"/>
+          <p:cNvSpPr>
+            <a:spLocks noGrp="1"/>
+          </p:cNvSpPr>
+          <p:nvPr>
+            <p:ph type="title"/>
+          </p:nvPr>
+        </p:nvSpPr>
+        <p:spPr/>
+        <p:txBody>
+          <a:bodyPr>
+            <a:normAutofit/>
+          </a:bodyPr>
+          <a:lstStyle/>
+          <a:p>
+            <a:r>
+              <a:rPr lang="en-US" b="1" dirty="0" smtClean="0"/>
+              <a:t>Voice Biometrics Verification</a:t>
+            </a:r>
+            <a:endParaRPr lang="en-US" b="1" dirty="0"/>
+          </a:p>
+        </p:txBody>
+      </p:sp>
+      <p:sp>
+        <p:nvSpPr>
+          <p:cNvPr id="8" name="Rectangle 7"/>
           <p:cNvSpPr/>
           <p:nvPr/>
         </p:nvSpPr>
         <p:spPr>
           <a:xfrm>
-            <a:off x="214282" y="4429132"/>
-            <a:ext cx="1071570" cy="857256"/>
+            <a:off x="0" y="1214422"/>
+            <a:ext cx="9001156" cy="1200329"/>
+          </a:xfrm>
+          <a:prstGeom prst="rect">
+            <a:avLst/>
+          </a:prstGeom>
+        </p:spPr>
+        <p:txBody>
+          <a:bodyPr wrap="square">
+            <a:spAutoFit/>
+          </a:bodyPr>
+          <a:lstStyle/>
+          <a:p>
+            <a:r>
+              <a:rPr lang="en-US" dirty="0" smtClean="0"/>
+              <a:t>Once the user’s voiceprint is captured and stored in the system, it is used to verify the user. During the authentication process, the user needs to talk. The voice biometrics system captures the voiceprint and verifies whether the voiceprint matches with the template on its database.</a:t>
+            </a:r>
+            <a:endParaRPr lang="en-US" dirty="0"/>
+          </a:p>
+        </p:txBody>
+      </p:sp>
+      <p:sp>
+        <p:nvSpPr>
+          <p:cNvPr id="10" name="Content Placeholder 9"/>
+          <p:cNvSpPr>
+            <a:spLocks noGrp="1"/>
+          </p:cNvSpPr>
+          <p:nvPr>
+            <p:ph idx="1"/>
+          </p:nvPr>
+        </p:nvSpPr>
+        <p:spPr>
+          <a:xfrm>
+            <a:off x="0" y="2571744"/>
+            <a:ext cx="9144000" cy="4286256"/>
+          </a:xfrm>
+        </p:spPr>
+        <p:txBody>
+          <a:bodyPr/>
+          <a:lstStyle/>
+          <a:p>
+            <a:r>
+              <a:rPr lang="en-US" b="1" dirty="0" smtClean="0"/>
+              <a:t>Types of Voice Biometrics Authentication</a:t>
+            </a:r>
+          </a:p>
+          <a:p>
+            <a:pPr lvl="2">
+              <a:buFont typeface="Wingdings" pitchFamily="2" charset="2"/>
+              <a:buChar char="ü"/>
+            </a:pPr>
+            <a:r>
+              <a:rPr lang="en-US" b="1" dirty="0" smtClean="0"/>
+              <a:t> Active Voice Biometrics</a:t>
+            </a:r>
+          </a:p>
+          <a:p>
+            <a:pPr lvl="2">
+              <a:buFont typeface="Wingdings" pitchFamily="2" charset="2"/>
+              <a:buChar char="ü"/>
+            </a:pPr>
+            <a:r>
+              <a:rPr lang="en-US" b="1" dirty="0" smtClean="0"/>
+              <a:t> Passive Voice Biometrics       </a:t>
+            </a:r>
+          </a:p>
+          <a:p>
+            <a:pPr lvl="2">
+              <a:buNone/>
+            </a:pPr>
+            <a:endParaRPr lang="en-US" b="1" dirty="0" smtClean="0"/>
+          </a:p>
+          <a:p>
+            <a:r>
+              <a:rPr lang="en-US" b="1" dirty="0" smtClean="0"/>
+              <a:t>Verification Parameters:</a:t>
+            </a:r>
+          </a:p>
+          <a:p>
+            <a:pPr lvl="2">
+              <a:buFont typeface="Wingdings" pitchFamily="2" charset="2"/>
+              <a:buChar char="v"/>
+            </a:pPr>
+            <a:r>
+              <a:rPr lang="en-US" sz="2000" b="1" dirty="0" smtClean="0"/>
+              <a:t>Time taken to authenticate</a:t>
+            </a:r>
+          </a:p>
+          <a:p>
+            <a:pPr lvl="2">
+              <a:buFont typeface="Wingdings" pitchFamily="2" charset="2"/>
+              <a:buChar char="v"/>
+            </a:pPr>
+            <a:r>
+              <a:rPr lang="en-US" sz="2000" b="1" dirty="0" smtClean="0"/>
+              <a:t>Data Volume</a:t>
+            </a:r>
+          </a:p>
+          <a:p>
+            <a:pPr lvl="2">
+              <a:buFont typeface="Wingdings" pitchFamily="2" charset="2"/>
+              <a:buChar char="v"/>
+            </a:pPr>
+            <a:r>
+              <a:rPr lang="en-IN" sz="2000" b="1" dirty="0" smtClean="0"/>
+              <a:t>Security</a:t>
+            </a:r>
+            <a:endParaRPr lang="en-US" sz="2000" b="1" dirty="0" smtClean="0"/>
+          </a:p>
+          <a:p>
+            <a:pPr>
+              <a:buNone/>
+            </a:pPr>
+            <a:endParaRPr lang="en-US" dirty="0"/>
+          </a:p>
+        </p:txBody>
+      </p:sp>
+    </p:spTree>
+  </p:cSld>
+  <p:clrMapOvr>
+    <a:masterClrMapping/>
+  </p:clrMapOvr>
+</p:sld>
+</file>
+
+<file path=ppt/slides/slide3.xml><?xml version="1.0" encoding="utf-8"?>
+<p:sld xmlns:a="http://schemas.openxmlformats.org/drawingml/2006/main" xmlns:r="http://schemas.openxmlformats.org/officeDocument/2006/relationships" xmlns:p="http://schemas.openxmlformats.org/presentationml/2006/main">
+  <p:cSld>
+    <p:spTree>
+      <p:nvGrpSpPr>
+        <p:cNvPr id="1" name=""/>
+        <p:cNvGrpSpPr/>
+        <p:nvPr/>
+      </p:nvGrpSpPr>
+      <p:grpSpPr>
+        <a:xfrm>
+          <a:off x="0" y="0"/>
+          <a:ext cx="0" cy="0"/>
+          <a:chOff x="0" y="0"/>
+          <a:chExt cx="0" cy="0"/>
+        </a:xfrm>
+      </p:grpSpPr>
+      <p:sp>
+        <p:nvSpPr>
+          <p:cNvPr id="2" name="Title 1"/>
+          <p:cNvSpPr>
+            <a:spLocks noGrp="1"/>
+          </p:cNvSpPr>
+          <p:nvPr>
+            <p:ph type="title"/>
+          </p:nvPr>
+        </p:nvSpPr>
+        <p:spPr>
+          <a:xfrm>
+            <a:off x="0" y="142852"/>
+            <a:ext cx="9144000" cy="1143008"/>
+          </a:xfrm>
+        </p:spPr>
+        <p:txBody>
+          <a:bodyPr/>
+          <a:lstStyle/>
+          <a:p>
+            <a:r>
+              <a:rPr lang="en-IN" b="1" dirty="0" smtClean="0"/>
+              <a:t>Technical skills</a:t>
+            </a:r>
+            <a:endParaRPr lang="en-US" b="1" dirty="0"/>
+          </a:p>
+        </p:txBody>
+      </p:sp>
+      <p:sp>
+        <p:nvSpPr>
+          <p:cNvPr id="3" name="Content Placeholder 2"/>
+          <p:cNvSpPr>
+            <a:spLocks noGrp="1"/>
+          </p:cNvSpPr>
+          <p:nvPr>
+            <p:ph idx="1"/>
+          </p:nvPr>
+        </p:nvSpPr>
+        <p:spPr>
+          <a:xfrm>
+            <a:off x="0" y="1285860"/>
+            <a:ext cx="9144000" cy="5143535"/>
+          </a:xfrm>
+        </p:spPr>
+        <p:txBody>
+          <a:bodyPr>
+            <a:normAutofit/>
+          </a:bodyPr>
+          <a:lstStyle/>
+          <a:p>
+            <a:r>
+              <a:rPr lang="en-IN" sz="2800" dirty="0" smtClean="0"/>
+              <a:t>Technology needs to be implemented for Voice biometric verification</a:t>
+            </a:r>
+          </a:p>
+          <a:p>
+            <a:pPr lvl="1">
+              <a:buFont typeface="Wingdings" pitchFamily="2" charset="2"/>
+              <a:buChar char="q"/>
+            </a:pPr>
+            <a:r>
+              <a:rPr lang="en-IN" dirty="0" smtClean="0"/>
+              <a:t>Front end Technical skills</a:t>
+            </a:r>
+          </a:p>
+          <a:p>
+            <a:pPr lvl="2">
+              <a:buFont typeface="Wingdings" pitchFamily="2" charset="2"/>
+              <a:buChar char="Ø"/>
+            </a:pPr>
+            <a:r>
+              <a:rPr lang="en-IN" sz="2800" b="1" dirty="0" smtClean="0"/>
+              <a:t>Angular</a:t>
+            </a:r>
+            <a:endParaRPr lang="en-IN" sz="2800" b="1" dirty="0" smtClean="0"/>
+          </a:p>
+          <a:p>
+            <a:pPr lvl="2">
+              <a:buFont typeface="Wingdings" pitchFamily="2" charset="2"/>
+              <a:buChar char="Ø"/>
+            </a:pPr>
+            <a:r>
+              <a:rPr lang="en-IN" sz="2800" b="1" dirty="0" err="1" smtClean="0"/>
+              <a:t>Wpf</a:t>
+            </a:r>
+            <a:endParaRPr lang="en-IN" sz="2800" b="1" dirty="0" smtClean="0"/>
+          </a:p>
+          <a:p>
+            <a:pPr lvl="1">
+              <a:buFont typeface="Wingdings" pitchFamily="2" charset="2"/>
+              <a:buChar char="q"/>
+            </a:pPr>
+            <a:r>
+              <a:rPr lang="en-IN" dirty="0" smtClean="0"/>
+              <a:t>Back end Technical Skills</a:t>
+            </a:r>
+          </a:p>
+          <a:p>
+            <a:pPr lvl="2">
+              <a:buFont typeface="Wingdings" pitchFamily="2" charset="2"/>
+              <a:buChar char="Ø"/>
+            </a:pPr>
+            <a:r>
+              <a:rPr lang="en-IN" b="1" dirty="0" smtClean="0"/>
+              <a:t>Asp.net core web </a:t>
+            </a:r>
+            <a:r>
+              <a:rPr lang="en-IN" b="1" dirty="0" err="1" smtClean="0"/>
+              <a:t>api,C</a:t>
+            </a:r>
+            <a:r>
+              <a:rPr lang="en-IN" b="1" dirty="0" smtClean="0"/>
+              <a:t>#</a:t>
+            </a:r>
+          </a:p>
+          <a:p>
+            <a:pPr lvl="2">
+              <a:buFont typeface="Wingdings" pitchFamily="2" charset="2"/>
+              <a:buChar char="Ø"/>
+            </a:pPr>
+            <a:r>
+              <a:rPr lang="en-US" b="1" dirty="0" smtClean="0"/>
+              <a:t>Azure Cognitive Services(AI)</a:t>
+            </a:r>
+          </a:p>
+          <a:p>
+            <a:pPr lvl="2">
+              <a:buFont typeface="Wingdings" pitchFamily="2" charset="2"/>
+              <a:buChar char="Ø"/>
+            </a:pPr>
+            <a:r>
+              <a:rPr lang="en-IN" b="1" dirty="0" smtClean="0"/>
+              <a:t>Azure Cosmo DB</a:t>
+            </a:r>
+          </a:p>
+          <a:p>
+            <a:pPr lvl="2">
+              <a:buFont typeface="Wingdings" pitchFamily="2" charset="2"/>
+              <a:buChar char="Ø"/>
+            </a:pPr>
+            <a:r>
+              <a:rPr lang="en-IN" b="1" dirty="0" err="1" smtClean="0"/>
+              <a:t>Hadoop</a:t>
+            </a:r>
+            <a:r>
+              <a:rPr lang="en-IN" b="1" dirty="0" smtClean="0"/>
+              <a:t>/Big Data(Optional)</a:t>
+            </a:r>
+          </a:p>
+          <a:p>
+            <a:endParaRPr lang="en-IN" b="1" dirty="0" smtClean="0"/>
+          </a:p>
+          <a:p>
+            <a:endParaRPr lang="en-US" b="1" dirty="0"/>
+          </a:p>
+        </p:txBody>
+      </p:sp>
+    </p:spTree>
+  </p:cSld>
+  <p:clrMapOvr>
+    <a:masterClrMapping/>
+  </p:clrMapOvr>
+</p:sld>
+</file>
+
+<file path=ppt/slides/slide4.xml><?xml version="1.0" encoding="utf-8"?>
+<p:sld xmlns:a="http://schemas.openxmlformats.org/drawingml/2006/main" xmlns:r="http://schemas.openxmlformats.org/officeDocument/2006/relationships" xmlns:p="http://schemas.openxmlformats.org/presentationml/2006/main">
+  <p:cSld>
+    <p:spTree>
+      <p:nvGrpSpPr>
+        <p:cNvPr id="1" name=""/>
+        <p:cNvGrpSpPr/>
+        <p:nvPr/>
+      </p:nvGrpSpPr>
+      <p:grpSpPr>
+        <a:xfrm>
+          <a:off x="0" y="0"/>
+          <a:ext cx="0" cy="0"/>
+          <a:chOff x="0" y="0"/>
+          <a:chExt cx="0" cy="0"/>
+        </a:xfrm>
+      </p:grpSpPr>
+      <p:sp>
+        <p:nvSpPr>
+          <p:cNvPr id="2" name="Title 1"/>
+          <p:cNvSpPr>
+            <a:spLocks noGrp="1"/>
+          </p:cNvSpPr>
+          <p:nvPr>
+            <p:ph type="title"/>
+          </p:nvPr>
+        </p:nvSpPr>
+        <p:spPr>
+          <a:xfrm>
+            <a:off x="0" y="274638"/>
+            <a:ext cx="8929718" cy="1143000"/>
+          </a:xfrm>
+        </p:spPr>
+        <p:txBody>
+          <a:bodyPr>
+            <a:normAutofit fontScale="90000"/>
+          </a:bodyPr>
+          <a:lstStyle/>
+          <a:p>
+            <a:r>
+              <a:rPr lang="en-US" b="1" dirty="0" smtClean="0"/>
+              <a:t>How does voice biometrics work?</a:t>
+            </a:r>
+            <a:r>
+              <a:rPr lang="en-US" dirty="0" smtClean="0"/>
+              <a:t/>
+            </a:r>
+            <a:br>
+              <a:rPr lang="en-US" dirty="0" smtClean="0"/>
+            </a:br>
+            <a:endParaRPr lang="en-US" dirty="0"/>
+          </a:p>
+        </p:txBody>
+      </p:sp>
+      <p:pic>
+        <p:nvPicPr>
+          <p:cNvPr id="2051" name="Picture 3"/>
+          <p:cNvPicPr>
+            <a:picLocks noGrp="1" noChangeAspect="1" noChangeArrowheads="1"/>
+          </p:cNvPicPr>
+          <p:nvPr>
+            <p:ph idx="1"/>
+          </p:nvPr>
+        </p:nvPicPr>
+        <p:blipFill>
+          <a:blip r:embed="rId2"/>
+          <a:srcRect/>
+          <a:stretch>
+            <a:fillRect/>
+          </a:stretch>
+        </p:blipFill>
+        <p:spPr bwMode="auto">
+          <a:xfrm>
+            <a:off x="142844" y="1785926"/>
+            <a:ext cx="8715436" cy="2357454"/>
+          </a:xfrm>
+          <a:prstGeom prst="rect">
+            <a:avLst/>
+          </a:prstGeom>
+          <a:noFill/>
+          <a:ln w="9525">
+            <a:noFill/>
+            <a:miter lim="800000"/>
+            <a:headEnd/>
+            <a:tailEnd/>
+          </a:ln>
+          <a:effectLst/>
+        </p:spPr>
+      </p:pic>
+      <p:pic>
+        <p:nvPicPr>
+          <p:cNvPr id="2053" name="Picture 5"/>
+          <p:cNvPicPr>
+            <a:picLocks noChangeAspect="1" noChangeArrowheads="1"/>
+          </p:cNvPicPr>
+          <p:nvPr/>
+        </p:nvPicPr>
+        <p:blipFill>
+          <a:blip r:embed="rId3"/>
+          <a:srcRect/>
+          <a:stretch>
+            <a:fillRect/>
+          </a:stretch>
+        </p:blipFill>
+        <p:spPr bwMode="auto">
+          <a:xfrm>
+            <a:off x="142844" y="4572008"/>
+            <a:ext cx="8858312" cy="2143140"/>
+          </a:xfrm>
+          <a:prstGeom prst="rect">
+            <a:avLst/>
+          </a:prstGeom>
+          <a:noFill/>
+          <a:ln w="9525">
+            <a:noFill/>
+            <a:miter lim="800000"/>
+            <a:headEnd/>
+            <a:tailEnd/>
+          </a:ln>
+          <a:effectLst/>
+        </p:spPr>
+      </p:pic>
+    </p:spTree>
+  </p:cSld>
+  <p:clrMapOvr>
+    <a:masterClrMapping/>
+  </p:clrMapOvr>
+</p:sld>
+</file>
+
+<file path=ppt/slides/slide5.xml><?xml version="1.0" encoding="utf-8"?>
+<p:sld xmlns:a="http://schemas.openxmlformats.org/drawingml/2006/main" xmlns:r="http://schemas.openxmlformats.org/officeDocument/2006/relationships" xmlns:p="http://schemas.openxmlformats.org/presentationml/2006/main">
+  <p:cSld>
+    <p:spTree>
+      <p:nvGrpSpPr>
+        <p:cNvPr id="1" name=""/>
+        <p:cNvGrpSpPr/>
+        <p:nvPr/>
+      </p:nvGrpSpPr>
+      <p:grpSpPr>
+        <a:xfrm>
+          <a:off x="0" y="0"/>
+          <a:ext cx="0" cy="0"/>
+          <a:chOff x="0" y="0"/>
+          <a:chExt cx="0" cy="0"/>
+        </a:xfrm>
+      </p:grpSpPr>
+      <p:sp>
+        <p:nvSpPr>
+          <p:cNvPr id="2" name="Title 1"/>
+          <p:cNvSpPr>
+            <a:spLocks noGrp="1"/>
+          </p:cNvSpPr>
+          <p:nvPr>
+            <p:ph type="title"/>
+          </p:nvPr>
+        </p:nvSpPr>
+        <p:spPr>
+          <a:xfrm>
+            <a:off x="0" y="274638"/>
+            <a:ext cx="9144000" cy="1143000"/>
+          </a:xfrm>
+        </p:spPr>
+        <p:txBody>
+          <a:bodyPr>
+            <a:normAutofit/>
+          </a:bodyPr>
+          <a:lstStyle/>
+          <a:p>
+            <a:r>
+              <a:rPr lang="en-IN" sz="3600" b="1" dirty="0" smtClean="0"/>
+              <a:t>Voice Authentication Technical work flow </a:t>
+            </a:r>
+            <a:endParaRPr lang="en-US" sz="3600" b="1" dirty="0"/>
+          </a:p>
+        </p:txBody>
+      </p:sp>
+      <p:sp>
+        <p:nvSpPr>
+          <p:cNvPr id="3" name="Content Placeholder 2"/>
+          <p:cNvSpPr>
+            <a:spLocks noGrp="1"/>
+          </p:cNvSpPr>
+          <p:nvPr>
+            <p:ph idx="1"/>
+          </p:nvPr>
+        </p:nvSpPr>
+        <p:spPr>
+          <a:xfrm>
+            <a:off x="0" y="1428736"/>
+            <a:ext cx="9144000" cy="5214974"/>
+          </a:xfrm>
+        </p:spPr>
+        <p:txBody>
+          <a:bodyPr>
+            <a:normAutofit/>
+          </a:bodyPr>
+          <a:lstStyle/>
+          <a:p>
+            <a:r>
+              <a:rPr lang="en-US" sz="2000" dirty="0" smtClean="0"/>
+              <a:t>Authentication with User ID and Password with additional factor of voice authentication(MFA)</a:t>
+            </a:r>
+          </a:p>
+          <a:p>
+            <a:r>
+              <a:rPr lang="en-US" sz="2000" dirty="0" smtClean="0"/>
+              <a:t>Web </a:t>
+            </a:r>
+            <a:r>
+              <a:rPr lang="en-US" sz="2000" dirty="0" err="1" smtClean="0"/>
+              <a:t>api</a:t>
+            </a:r>
+            <a:r>
+              <a:rPr lang="en-US" sz="2000" dirty="0" smtClean="0"/>
+              <a:t> Service layer endpoint with parameters with Voice and User Id and password.</a:t>
+            </a:r>
+          </a:p>
+          <a:p>
+            <a:r>
+              <a:rPr lang="en-US" sz="2000" dirty="0" smtClean="0"/>
+              <a:t>Voice print stored in Azure </a:t>
+            </a:r>
+            <a:r>
+              <a:rPr lang="en-US" sz="2000" dirty="0" err="1" smtClean="0"/>
+              <a:t>cosmo</a:t>
+            </a:r>
+            <a:r>
+              <a:rPr lang="en-US" sz="2000" dirty="0" smtClean="0"/>
+              <a:t> db/</a:t>
+            </a:r>
+            <a:r>
+              <a:rPr lang="en-US" sz="2000" dirty="0" err="1" smtClean="0"/>
+              <a:t>Hadoop</a:t>
+            </a:r>
+            <a:endParaRPr lang="en-US" sz="2000" dirty="0" smtClean="0"/>
+          </a:p>
+          <a:p>
+            <a:r>
+              <a:rPr lang="en-US" sz="2000" dirty="0" smtClean="0"/>
+              <a:t>SSL layer with HTTP protocol communication with server</a:t>
+            </a:r>
+            <a:endParaRPr lang="en-US" sz="2000" dirty="0"/>
+          </a:p>
+        </p:txBody>
+      </p:sp>
+      <p:sp>
+        <p:nvSpPr>
+          <p:cNvPr id="5" name="Rectangle 4"/>
+          <p:cNvSpPr/>
+          <p:nvPr/>
+        </p:nvSpPr>
+        <p:spPr>
+          <a:xfrm>
+            <a:off x="142844" y="3929066"/>
+            <a:ext cx="1500166" cy="785818"/>
           </a:xfrm>
           <a:prstGeom prst="rect">
             <a:avLst/>
@@ -3072,27 +3806,23 @@
           <a:p>
             <a:pPr algn="ctr"/>
             <a:r>
-              <a:rPr lang="en-IN" dirty="0" err="1" smtClean="0"/>
-              <a:t>Wpf</a:t>
-            </a:r>
-            <a:r>
-              <a:rPr lang="en-IN" dirty="0" smtClean="0"/>
-              <a:t> UI </a:t>
-            </a:r>
-            <a:endParaRPr lang="en-US" dirty="0"/>
-          </a:p>
-        </p:txBody>
-      </p:sp>
-      <p:sp>
-        <p:nvSpPr>
-          <p:cNvPr id="5" name="Rectangle 4"/>
+              <a:rPr lang="en-IN" sz="1600" dirty="0" smtClean="0"/>
+              <a:t>User Interface Login</a:t>
+            </a:r>
+            <a:endParaRPr lang="en-US" sz="1600" dirty="0"/>
+          </a:p>
+        </p:txBody>
+      </p:sp>
+      <p:sp>
+        <p:nvSpPr>
+          <p:cNvPr id="6" name="Rectangle 5"/>
           <p:cNvSpPr/>
           <p:nvPr/>
         </p:nvSpPr>
         <p:spPr>
           <a:xfrm>
-            <a:off x="5143504" y="4500570"/>
-            <a:ext cx="1571636" cy="857256"/>
+            <a:off x="214282" y="5572140"/>
+            <a:ext cx="1500198" cy="785818"/>
           </a:xfrm>
           <a:prstGeom prst="rect">
             <a:avLst/>
@@ -3120,31 +3850,31 @@
           <a:p>
             <a:pPr algn="ctr"/>
             <a:r>
-              <a:rPr lang="en-IN" dirty="0" smtClean="0"/>
+              <a:rPr lang="en-IN" sz="1600" dirty="0" smtClean="0"/>
               <a:t>Web </a:t>
             </a:r>
             <a:r>
-              <a:rPr lang="en-IN" dirty="0" err="1" smtClean="0"/>
+              <a:rPr lang="en-IN" sz="1600" dirty="0" err="1" smtClean="0"/>
               <a:t>api</a:t>
             </a:r>
             <a:r>
-              <a:rPr lang="en-IN" dirty="0" smtClean="0"/>
+              <a:rPr lang="en-IN" sz="1600" dirty="0" smtClean="0"/>
               <a:t> </a:t>
             </a:r>
-            <a:endParaRPr lang="en-US" dirty="0"/>
-          </a:p>
-        </p:txBody>
-      </p:sp>
-      <p:sp>
-        <p:nvSpPr>
-          <p:cNvPr id="6" name="Flowchart: Magnetic Disk 5"/>
+            <a:endParaRPr lang="en-US" sz="1600" dirty="0"/>
+          </a:p>
+        </p:txBody>
+      </p:sp>
+      <p:sp>
+        <p:nvSpPr>
+          <p:cNvPr id="7" name="Flowchart: Magnetic Disk 6"/>
           <p:cNvSpPr/>
           <p:nvPr/>
         </p:nvSpPr>
         <p:spPr>
           <a:xfrm>
-            <a:off x="7358082" y="4357694"/>
-            <a:ext cx="1428760" cy="1143008"/>
+            <a:off x="3786182" y="5429264"/>
+            <a:ext cx="1143008" cy="928694"/>
           </a:xfrm>
           <a:prstGeom prst="flowChartMagneticDisk">
             <a:avLst/>
@@ -3172,10 +3902,10 @@
           <a:p>
             <a:pPr algn="ctr"/>
             <a:r>
-              <a:rPr lang="en-IN" dirty="0" smtClean="0"/>
+              <a:rPr lang="en-IN" sz="1600" dirty="0" smtClean="0"/>
               <a:t>Azure Cosmo  DB</a:t>
             </a:r>
-            <a:endParaRPr lang="en-US" dirty="0"/>
+            <a:endParaRPr lang="en-US" sz="1600" dirty="0"/>
           </a:p>
         </p:txBody>
       </p:sp>
@@ -3187,7 +3917,7 @@
         </p:nvSpPr>
         <p:spPr>
           <a:xfrm>
-            <a:off x="3143240" y="3714752"/>
+            <a:off x="6215074" y="3857628"/>
             <a:ext cx="1214446" cy="914400"/>
           </a:xfrm>
           <a:prstGeom prst="ellipse">
@@ -3216,10 +3946,10 @@
           <a:p>
             <a:pPr algn="ctr"/>
             <a:r>
-              <a:rPr lang="en-IN" dirty="0" smtClean="0"/>
-              <a:t>Voice</a:t>
-            </a:r>
-            <a:endParaRPr lang="en-US" dirty="0"/>
+              <a:rPr lang="en-IN" sz="1600" dirty="0" smtClean="0"/>
+              <a:t>Voice verification</a:t>
+            </a:r>
+            <a:endParaRPr lang="en-US" sz="1600" dirty="0"/>
           </a:p>
         </p:txBody>
       </p:sp>
@@ -3231,8 +3961,8 @@
         </p:nvSpPr>
         <p:spPr>
           <a:xfrm>
-            <a:off x="3214678" y="4857760"/>
-            <a:ext cx="1214446" cy="914400"/>
+            <a:off x="2214546" y="4500570"/>
+            <a:ext cx="1143008" cy="642942"/>
           </a:xfrm>
           <a:prstGeom prst="ellipse">
             <a:avLst/>
@@ -3260,25 +3990,286 @@
           <a:p>
             <a:pPr algn="ctr"/>
             <a:r>
-              <a:rPr lang="en-IN" dirty="0" smtClean="0"/>
+              <a:rPr lang="en-IN" sz="1600" dirty="0" smtClean="0"/>
               <a:t>User Id</a:t>
             </a:r>
-            <a:endParaRPr lang="en-US" dirty="0"/>
+            <a:endParaRPr lang="en-US" sz="1600" dirty="0"/>
           </a:p>
         </p:txBody>
       </p:sp>
       <p:cxnSp>
         <p:nvCxnSpPr>
           <p:cNvPr id="15" name="Straight Arrow Connector 14"/>
+          <p:cNvCxnSpPr/>
+          <p:nvPr/>
+        </p:nvCxnSpPr>
+        <p:spPr>
+          <a:xfrm>
+            <a:off x="3071802" y="4929198"/>
+            <a:ext cx="214314" cy="142876"/>
+          </a:xfrm>
+          <a:prstGeom prst="straightConnector1">
+            <a:avLst/>
+          </a:prstGeom>
+          <a:ln>
+            <a:tailEnd type="arrow"/>
+          </a:ln>
+        </p:spPr>
+        <p:style>
+          <a:lnRef idx="1">
+            <a:schemeClr val="accent1"/>
+          </a:lnRef>
+          <a:fillRef idx="0">
+            <a:schemeClr val="accent1"/>
+          </a:fillRef>
+          <a:effectRef idx="0">
+            <a:schemeClr val="accent1"/>
+          </a:effectRef>
+          <a:fontRef idx="minor">
+            <a:schemeClr val="tx1"/>
+          </a:fontRef>
+        </p:style>
+      </p:cxnSp>
+      <p:sp>
+        <p:nvSpPr>
+          <p:cNvPr id="17" name="Oval 16"/>
+          <p:cNvSpPr/>
+          <p:nvPr/>
+        </p:nvSpPr>
+        <p:spPr>
+          <a:xfrm>
+            <a:off x="2214546" y="3571876"/>
+            <a:ext cx="1143008" cy="628648"/>
+          </a:xfrm>
+          <a:prstGeom prst="ellipse">
+            <a:avLst/>
+          </a:prstGeom>
+        </p:spPr>
+        <p:style>
+          <a:lnRef idx="2">
+            <a:schemeClr val="accent1">
+              <a:shade val="50000"/>
+            </a:schemeClr>
+          </a:lnRef>
+          <a:fillRef idx="1">
+            <a:schemeClr val="accent1"/>
+          </a:fillRef>
+          <a:effectRef idx="0">
+            <a:schemeClr val="accent1"/>
+          </a:effectRef>
+          <a:fontRef idx="minor">
+            <a:schemeClr val="lt1"/>
+          </a:fontRef>
+        </p:style>
+        <p:txBody>
+          <a:bodyPr rtlCol="0" anchor="ctr"/>
+          <a:lstStyle/>
+          <a:p>
+            <a:pPr algn="ctr"/>
+            <a:r>
+              <a:rPr lang="en-IN" sz="1600" dirty="0" smtClean="0"/>
+              <a:t>Password</a:t>
+            </a:r>
+            <a:endParaRPr lang="en-US" sz="1600" dirty="0"/>
+          </a:p>
+        </p:txBody>
+      </p:sp>
+      <p:sp>
+        <p:nvSpPr>
+          <p:cNvPr id="23" name="Diamond 22"/>
+          <p:cNvSpPr/>
+          <p:nvPr/>
+        </p:nvSpPr>
+        <p:spPr>
+          <a:xfrm>
+            <a:off x="4572000" y="3786190"/>
+            <a:ext cx="1500198" cy="1357322"/>
+          </a:xfrm>
+          <a:prstGeom prst="diamond">
+            <a:avLst/>
+          </a:prstGeom>
+        </p:spPr>
+        <p:style>
+          <a:lnRef idx="2">
+            <a:schemeClr val="accent1">
+              <a:shade val="50000"/>
+            </a:schemeClr>
+          </a:lnRef>
+          <a:fillRef idx="1">
+            <a:schemeClr val="accent1"/>
+          </a:fillRef>
+          <a:effectRef idx="0">
+            <a:schemeClr val="accent1"/>
+          </a:effectRef>
+          <a:fontRef idx="minor">
+            <a:schemeClr val="lt1"/>
+          </a:fontRef>
+        </p:style>
+        <p:txBody>
+          <a:bodyPr rtlCol="0" anchor="ctr"/>
+          <a:lstStyle/>
+          <a:p>
+            <a:pPr algn="ctr"/>
+            <a:r>
+              <a:rPr lang="en-IN" sz="1400" dirty="0" smtClean="0"/>
+              <a:t>Multi </a:t>
+            </a:r>
+            <a:r>
+              <a:rPr lang="en-IN" sz="1400" dirty="0" err="1" smtClean="0"/>
+              <a:t>factcor</a:t>
+            </a:r>
+            <a:r>
+              <a:rPr lang="en-IN" sz="1400" dirty="0" smtClean="0"/>
+              <a:t> Authentication</a:t>
+            </a:r>
+            <a:endParaRPr lang="en-US" sz="1400" dirty="0"/>
+          </a:p>
+        </p:txBody>
+      </p:sp>
+      <p:sp>
+        <p:nvSpPr>
+          <p:cNvPr id="24" name="Parallelogram 23"/>
+          <p:cNvSpPr/>
+          <p:nvPr/>
+        </p:nvSpPr>
+        <p:spPr>
+          <a:xfrm>
+            <a:off x="3571868" y="3857628"/>
+            <a:ext cx="857256" cy="785818"/>
+          </a:xfrm>
+          <a:prstGeom prst="parallelogram">
+            <a:avLst/>
+          </a:prstGeom>
+        </p:spPr>
+        <p:style>
+          <a:lnRef idx="2">
+            <a:schemeClr val="accent1">
+              <a:shade val="50000"/>
+            </a:schemeClr>
+          </a:lnRef>
+          <a:fillRef idx="1">
+            <a:schemeClr val="accent1"/>
+          </a:fillRef>
+          <a:effectRef idx="0">
+            <a:schemeClr val="accent1"/>
+          </a:effectRef>
+          <a:fontRef idx="minor">
+            <a:schemeClr val="lt1"/>
+          </a:fontRef>
+        </p:style>
+        <p:txBody>
+          <a:bodyPr rtlCol="0" anchor="ctr"/>
+          <a:lstStyle/>
+          <a:p>
+            <a:pPr algn="ctr"/>
+            <a:r>
+              <a:rPr lang="en-IN" sz="1400" dirty="0" smtClean="0"/>
+              <a:t>Verified</a:t>
+            </a:r>
+            <a:endParaRPr lang="en-US" sz="1400" dirty="0"/>
+          </a:p>
+        </p:txBody>
+      </p:sp>
+      <p:sp>
+        <p:nvSpPr>
+          <p:cNvPr id="26" name="Parallelogram 25"/>
+          <p:cNvSpPr/>
+          <p:nvPr/>
+        </p:nvSpPr>
+        <p:spPr>
+          <a:xfrm>
+            <a:off x="7572396" y="3857628"/>
+            <a:ext cx="857256" cy="785818"/>
+          </a:xfrm>
+          <a:prstGeom prst="parallelogram">
+            <a:avLst/>
+          </a:prstGeom>
+        </p:spPr>
+        <p:style>
+          <a:lnRef idx="2">
+            <a:schemeClr val="accent1">
+              <a:shade val="50000"/>
+            </a:schemeClr>
+          </a:lnRef>
+          <a:fillRef idx="1">
+            <a:schemeClr val="accent1"/>
+          </a:fillRef>
+          <a:effectRef idx="0">
+            <a:schemeClr val="accent1"/>
+          </a:effectRef>
+          <a:fontRef idx="minor">
+            <a:schemeClr val="lt1"/>
+          </a:fontRef>
+        </p:style>
+        <p:txBody>
+          <a:bodyPr rtlCol="0" anchor="ctr"/>
+          <a:lstStyle/>
+          <a:p>
+            <a:pPr algn="ctr"/>
+            <a:r>
+              <a:rPr lang="en-IN" sz="1400" dirty="0" smtClean="0"/>
+              <a:t>Verified</a:t>
+            </a:r>
+            <a:endParaRPr lang="en-US" sz="1400" dirty="0"/>
+          </a:p>
+        </p:txBody>
+      </p:sp>
+      <p:sp>
+        <p:nvSpPr>
+          <p:cNvPr id="27" name="Rectangle 26"/>
+          <p:cNvSpPr/>
+          <p:nvPr/>
+        </p:nvSpPr>
+        <p:spPr>
+          <a:xfrm>
+            <a:off x="2071670" y="5572140"/>
+            <a:ext cx="1428760" cy="771524"/>
+          </a:xfrm>
+          <a:prstGeom prst="rect">
+            <a:avLst/>
+          </a:prstGeom>
+        </p:spPr>
+        <p:style>
+          <a:lnRef idx="2">
+            <a:schemeClr val="accent1">
+              <a:shade val="50000"/>
+            </a:schemeClr>
+          </a:lnRef>
+          <a:fillRef idx="1">
+            <a:schemeClr val="accent1"/>
+          </a:fillRef>
+          <a:effectRef idx="0">
+            <a:schemeClr val="accent1"/>
+          </a:effectRef>
+          <a:fontRef idx="minor">
+            <a:schemeClr val="lt1"/>
+          </a:fontRef>
+        </p:style>
+        <p:txBody>
+          <a:bodyPr rtlCol="0" anchor="ctr"/>
+          <a:lstStyle/>
+          <a:p>
+            <a:pPr algn="ctr"/>
+            <a:r>
+              <a:rPr lang="en-IN" sz="1600" dirty="0" smtClean="0"/>
+              <a:t>Azure AI</a:t>
+            </a:r>
+            <a:endParaRPr lang="en-US" sz="1600" dirty="0"/>
+          </a:p>
+        </p:txBody>
+      </p:sp>
+      <p:cxnSp>
+        <p:nvCxnSpPr>
+          <p:cNvPr id="30" name="Straight Arrow Connector 29"/>
           <p:cNvCxnSpPr>
-            <a:endCxn id="5" idx="1"/>
+            <a:endCxn id="17" idx="2"/>
           </p:cNvCxnSpPr>
           <p:nvPr/>
         </p:nvCxnSpPr>
         <p:spPr>
-          <a:xfrm>
-            <a:off x="4286248" y="4429132"/>
-            <a:ext cx="857256" cy="500066"/>
+          <a:xfrm flipV="1">
+            <a:off x="1714480" y="3886200"/>
+            <a:ext cx="500066" cy="400056"/>
           </a:xfrm>
           <a:prstGeom prst="straightConnector1">
             <a:avLst/>
@@ -3304,17 +4295,16 @@
       </p:cxnSp>
       <p:cxnSp>
         <p:nvCxnSpPr>
-          <p:cNvPr id="17" name="Straight Arrow Connector 16"/>
+          <p:cNvPr id="32" name="Straight Arrow Connector 31"/>
           <p:cNvCxnSpPr>
-            <a:stCxn id="9" idx="6"/>
-            <a:endCxn id="5" idx="1"/>
+            <a:endCxn id="9" idx="2"/>
           </p:cNvCxnSpPr>
           <p:nvPr/>
         </p:nvCxnSpPr>
         <p:spPr>
-          <a:xfrm flipV="1">
-            <a:off x="4429124" y="4929198"/>
-            <a:ext cx="714380" cy="385762"/>
+          <a:xfrm>
+            <a:off x="1714480" y="4357694"/>
+            <a:ext cx="500066" cy="464347"/>
           </a:xfrm>
           <a:prstGeom prst="straightConnector1">
             <a:avLst/>
@@ -3340,215 +4330,16 @@
       </p:cxnSp>
       <p:cxnSp>
         <p:nvCxnSpPr>
-          <p:cNvPr id="19" name="Straight Arrow Connector 18"/>
+          <p:cNvPr id="36" name="Straight Arrow Connector 35"/>
           <p:cNvCxnSpPr>
-            <a:stCxn id="5" idx="3"/>
-            <a:endCxn id="6" idx="2"/>
+            <a:endCxn id="24" idx="5"/>
           </p:cNvCxnSpPr>
           <p:nvPr/>
         </p:nvCxnSpPr>
         <p:spPr>
-          <a:xfrm>
-            <a:off x="6715140" y="4929198"/>
-            <a:ext cx="642942" cy="1588"/>
-          </a:xfrm>
-          <a:prstGeom prst="straightConnector1">
-            <a:avLst/>
-          </a:prstGeom>
-          <a:ln>
-            <a:tailEnd type="arrow"/>
-          </a:ln>
-        </p:spPr>
-        <p:style>
-          <a:lnRef idx="1">
-            <a:schemeClr val="accent1"/>
-          </a:lnRef>
-          <a:fillRef idx="0">
-            <a:schemeClr val="accent1"/>
-          </a:fillRef>
-          <a:effectRef idx="0">
-            <a:schemeClr val="accent1"/>
-          </a:effectRef>
-          <a:fontRef idx="minor">
-            <a:schemeClr val="tx1"/>
-          </a:fontRef>
-        </p:style>
-      </p:cxnSp>
-      <p:sp>
-        <p:nvSpPr>
-          <p:cNvPr id="20" name="Title 19"/>
-          <p:cNvSpPr>
-            <a:spLocks noGrp="1"/>
-          </p:cNvSpPr>
-          <p:nvPr>
-            <p:ph type="title"/>
-          </p:nvPr>
-        </p:nvSpPr>
-        <p:spPr>
-          <a:xfrm>
-            <a:off x="0" y="274638"/>
-            <a:ext cx="9144000" cy="939784"/>
-          </a:xfrm>
-        </p:spPr>
-        <p:txBody>
-          <a:bodyPr/>
-          <a:lstStyle/>
-          <a:p>
-            <a:r>
-              <a:rPr lang="en-IN" dirty="0" smtClean="0">
-                <a:latin typeface="Arial Black" pitchFamily="34" charset="0"/>
-              </a:rPr>
-              <a:t>Voice Authentication</a:t>
-            </a:r>
-            <a:endParaRPr lang="en-US" dirty="0">
-              <a:latin typeface="Arial Black" pitchFamily="34" charset="0"/>
-            </a:endParaRPr>
-          </a:p>
-        </p:txBody>
-      </p:sp>
-      <p:sp>
-        <p:nvSpPr>
-          <p:cNvPr id="21" name="Content Placeholder 20"/>
-          <p:cNvSpPr>
-            <a:spLocks noGrp="1"/>
-          </p:cNvSpPr>
-          <p:nvPr>
-            <p:ph idx="1"/>
-          </p:nvPr>
-        </p:nvSpPr>
-        <p:spPr>
-          <a:xfrm>
-            <a:off x="0" y="1214422"/>
-            <a:ext cx="9144000" cy="2428892"/>
-          </a:xfrm>
-        </p:spPr>
-        <p:txBody>
-          <a:bodyPr>
-            <a:normAutofit lnSpcReduction="10000"/>
-          </a:bodyPr>
-          <a:lstStyle/>
-          <a:p>
-            <a:r>
-              <a:rPr lang="en-IN" sz="2400" dirty="0" smtClean="0"/>
-              <a:t>Authentication with Voice and User ID with user interface </a:t>
-            </a:r>
-            <a:r>
-              <a:rPr lang="en-IN" sz="2400" dirty="0" err="1" smtClean="0"/>
-              <a:t>wpf</a:t>
-            </a:r>
-            <a:r>
-              <a:rPr lang="en-IN" sz="2400" dirty="0" smtClean="0"/>
-              <a:t> application(Front end)</a:t>
-            </a:r>
-          </a:p>
-          <a:p>
-            <a:r>
-              <a:rPr lang="en-IN" sz="2400" dirty="0" smtClean="0"/>
-              <a:t>Web </a:t>
-            </a:r>
-            <a:r>
-              <a:rPr lang="en-IN" sz="2400" dirty="0" err="1" smtClean="0"/>
-              <a:t>api</a:t>
-            </a:r>
-            <a:r>
-              <a:rPr lang="en-IN" sz="2400" dirty="0" smtClean="0"/>
-              <a:t> Service layer endpoint with parameters with Voice and User Id.</a:t>
-            </a:r>
-          </a:p>
-          <a:p>
-            <a:r>
-              <a:rPr lang="en-IN" sz="2400" dirty="0" smtClean="0"/>
-              <a:t>Voice content stored in Azure </a:t>
-            </a:r>
-            <a:r>
-              <a:rPr lang="en-IN" sz="2400" dirty="0" err="1" smtClean="0"/>
-              <a:t>cosmo</a:t>
-            </a:r>
-            <a:r>
-              <a:rPr lang="en-IN" sz="2400" dirty="0" smtClean="0"/>
-              <a:t> db.</a:t>
-            </a:r>
-          </a:p>
-          <a:p>
-            <a:r>
-              <a:rPr lang="en-IN" sz="2400" dirty="0" smtClean="0"/>
-              <a:t>SSL layer with HTTP protocol communication with server</a:t>
-            </a:r>
-          </a:p>
-          <a:p>
-            <a:endParaRPr lang="en-IN" sz="2400" dirty="0" smtClean="0"/>
-          </a:p>
-          <a:p>
-            <a:endParaRPr lang="en-IN" sz="2400" dirty="0" smtClean="0"/>
-          </a:p>
-          <a:p>
-            <a:endParaRPr lang="en-IN" dirty="0" smtClean="0"/>
-          </a:p>
-          <a:p>
-            <a:endParaRPr lang="en-IN" dirty="0" smtClean="0"/>
-          </a:p>
-          <a:p>
-            <a:endParaRPr lang="en-US" dirty="0"/>
-          </a:p>
-        </p:txBody>
-      </p:sp>
-      <p:sp>
-        <p:nvSpPr>
-          <p:cNvPr id="23" name="Oval 22"/>
-          <p:cNvSpPr/>
-          <p:nvPr/>
-        </p:nvSpPr>
-        <p:spPr>
-          <a:xfrm>
-            <a:off x="1714480" y="4357694"/>
-            <a:ext cx="1357322" cy="1143008"/>
-          </a:xfrm>
-          <a:prstGeom prst="ellipse">
-            <a:avLst/>
-          </a:prstGeom>
-        </p:spPr>
-        <p:style>
-          <a:lnRef idx="2">
-            <a:schemeClr val="accent1">
-              <a:shade val="50000"/>
-            </a:schemeClr>
-          </a:lnRef>
-          <a:fillRef idx="1">
-            <a:schemeClr val="accent1"/>
-          </a:fillRef>
-          <a:effectRef idx="0">
-            <a:schemeClr val="accent1"/>
-          </a:effectRef>
-          <a:fontRef idx="minor">
-            <a:schemeClr val="lt1"/>
-          </a:fontRef>
-        </p:style>
-        <p:txBody>
-          <a:bodyPr rtlCol="0" anchor="ctr"/>
-          <a:lstStyle/>
-          <a:p>
-            <a:pPr algn="ctr"/>
-            <a:r>
-              <a:rPr lang="en-IN" dirty="0" smtClean="0"/>
-              <a:t>Percentage of Voice match</a:t>
-            </a:r>
-            <a:endParaRPr lang="en-US" dirty="0"/>
-          </a:p>
-        </p:txBody>
-      </p:sp>
-      <p:cxnSp>
-        <p:nvCxnSpPr>
-          <p:cNvPr id="39" name="Straight Arrow Connector 38"/>
-          <p:cNvCxnSpPr>
-            <a:stCxn id="23" idx="6"/>
-            <a:endCxn id="8" idx="3"/>
-          </p:cNvCxnSpPr>
-          <p:nvPr/>
-        </p:nvCxnSpPr>
-        <p:spPr>
-          <a:xfrm flipV="1">
-            <a:off x="3071802" y="4495241"/>
-            <a:ext cx="249290" cy="433957"/>
+          <a:xfrm rot="5400000" flipH="1" flipV="1">
+            <a:off x="3210213" y="4397879"/>
+            <a:ext cx="607223" cy="312541"/>
           </a:xfrm>
           <a:prstGeom prst="straightConnector1">
             <a:avLst/>
@@ -3574,16 +4365,17 @@
       </p:cxnSp>
       <p:cxnSp>
         <p:nvCxnSpPr>
-          <p:cNvPr id="41" name="Straight Arrow Connector 40"/>
+          <p:cNvPr id="38" name="Straight Arrow Connector 37"/>
           <p:cNvCxnSpPr>
-            <a:stCxn id="23" idx="6"/>
+            <a:stCxn id="17" idx="6"/>
+            <a:endCxn id="24" idx="5"/>
           </p:cNvCxnSpPr>
           <p:nvPr/>
         </p:nvCxnSpPr>
         <p:spPr>
           <a:xfrm>
-            <a:off x="3071802" y="4929198"/>
-            <a:ext cx="214314" cy="142876"/>
+            <a:off x="3357554" y="3886200"/>
+            <a:ext cx="312541" cy="364337"/>
           </a:xfrm>
           <a:prstGeom prst="straightConnector1">
             <a:avLst/>
@@ -3609,17 +4401,14 @@
       </p:cxnSp>
       <p:cxnSp>
         <p:nvCxnSpPr>
-          <p:cNvPr id="43" name="Straight Arrow Connector 42"/>
-          <p:cNvCxnSpPr>
-            <a:stCxn id="4" idx="3"/>
-            <a:endCxn id="23" idx="2"/>
-          </p:cNvCxnSpPr>
+          <p:cNvPr id="40" name="Straight Arrow Connector 39"/>
+          <p:cNvCxnSpPr/>
           <p:nvPr/>
         </p:nvCxnSpPr>
         <p:spPr>
           <a:xfrm>
-            <a:off x="1285852" y="4857760"/>
-            <a:ext cx="428628" cy="71438"/>
+            <a:off x="4357686" y="4214818"/>
+            <a:ext cx="285752" cy="142876"/>
           </a:xfrm>
           <a:prstGeom prst="straightConnector1">
             <a:avLst/>
@@ -3627,6 +4416,271 @@
           <a:ln>
             <a:tailEnd type="arrow"/>
           </a:ln>
+        </p:spPr>
+        <p:style>
+          <a:lnRef idx="1">
+            <a:schemeClr val="accent1"/>
+          </a:lnRef>
+          <a:fillRef idx="0">
+            <a:schemeClr val="accent1"/>
+          </a:fillRef>
+          <a:effectRef idx="0">
+            <a:schemeClr val="accent1"/>
+          </a:effectRef>
+          <a:fontRef idx="minor">
+            <a:schemeClr val="tx1"/>
+          </a:fontRef>
+        </p:style>
+      </p:cxnSp>
+      <p:cxnSp>
+        <p:nvCxnSpPr>
+          <p:cNvPr id="50" name="Straight Arrow Connector 49"/>
+          <p:cNvCxnSpPr>
+            <a:stCxn id="23" idx="3"/>
+          </p:cNvCxnSpPr>
+          <p:nvPr/>
+        </p:nvCxnSpPr>
+        <p:spPr>
+          <a:xfrm flipV="1">
+            <a:off x="6072198" y="4429132"/>
+            <a:ext cx="214314" cy="35719"/>
+          </a:xfrm>
+          <a:prstGeom prst="straightConnector1">
+            <a:avLst/>
+          </a:prstGeom>
+          <a:ln>
+            <a:tailEnd type="arrow"/>
+          </a:ln>
+        </p:spPr>
+        <p:style>
+          <a:lnRef idx="1">
+            <a:schemeClr val="accent1"/>
+          </a:lnRef>
+          <a:fillRef idx="0">
+            <a:schemeClr val="accent1"/>
+          </a:fillRef>
+          <a:effectRef idx="0">
+            <a:schemeClr val="accent1"/>
+          </a:effectRef>
+          <a:fontRef idx="minor">
+            <a:schemeClr val="tx1"/>
+          </a:fontRef>
+        </p:style>
+      </p:cxnSp>
+      <p:cxnSp>
+        <p:nvCxnSpPr>
+          <p:cNvPr id="52" name="Straight Arrow Connector 51"/>
+          <p:cNvCxnSpPr>
+            <a:stCxn id="8" idx="6"/>
+            <a:endCxn id="26" idx="5"/>
+          </p:cNvCxnSpPr>
+          <p:nvPr/>
+        </p:nvCxnSpPr>
+        <p:spPr>
+          <a:xfrm flipV="1">
+            <a:off x="7429520" y="4250537"/>
+            <a:ext cx="241103" cy="64291"/>
+          </a:xfrm>
+          <a:prstGeom prst="straightConnector1">
+            <a:avLst/>
+          </a:prstGeom>
+          <a:ln>
+            <a:tailEnd type="arrow"/>
+          </a:ln>
+        </p:spPr>
+        <p:style>
+          <a:lnRef idx="1">
+            <a:schemeClr val="accent1"/>
+          </a:lnRef>
+          <a:fillRef idx="0">
+            <a:schemeClr val="accent1"/>
+          </a:fillRef>
+          <a:effectRef idx="0">
+            <a:schemeClr val="accent1"/>
+          </a:effectRef>
+          <a:fontRef idx="minor">
+            <a:schemeClr val="tx1"/>
+          </a:fontRef>
+        </p:style>
+      </p:cxnSp>
+      <p:cxnSp>
+        <p:nvCxnSpPr>
+          <p:cNvPr id="58" name="Straight Connector 57"/>
+          <p:cNvCxnSpPr/>
+          <p:nvPr/>
+        </p:nvCxnSpPr>
+        <p:spPr>
+          <a:xfrm>
+            <a:off x="8358214" y="4214818"/>
+            <a:ext cx="500066" cy="1588"/>
+          </a:xfrm>
+          <a:prstGeom prst="line">
+            <a:avLst/>
+          </a:prstGeom>
+        </p:spPr>
+        <p:style>
+          <a:lnRef idx="1">
+            <a:schemeClr val="accent1"/>
+          </a:lnRef>
+          <a:fillRef idx="0">
+            <a:schemeClr val="accent1"/>
+          </a:fillRef>
+          <a:effectRef idx="0">
+            <a:schemeClr val="accent1"/>
+          </a:effectRef>
+          <a:fontRef idx="minor">
+            <a:schemeClr val="tx1"/>
+          </a:fontRef>
+        </p:style>
+      </p:cxnSp>
+      <p:cxnSp>
+        <p:nvCxnSpPr>
+          <p:cNvPr id="60" name="Straight Arrow Connector 59"/>
+          <p:cNvCxnSpPr/>
+          <p:nvPr/>
+        </p:nvCxnSpPr>
+        <p:spPr>
+          <a:xfrm rot="16200000" flipH="1">
+            <a:off x="8393933" y="4679165"/>
+            <a:ext cx="1000132" cy="71438"/>
+          </a:xfrm>
+          <a:prstGeom prst="straightConnector1">
+            <a:avLst/>
+          </a:prstGeom>
+          <a:ln>
+            <a:tailEnd type="arrow"/>
+          </a:ln>
+        </p:spPr>
+        <p:style>
+          <a:lnRef idx="1">
+            <a:schemeClr val="accent1"/>
+          </a:lnRef>
+          <a:fillRef idx="0">
+            <a:schemeClr val="accent1"/>
+          </a:fillRef>
+          <a:effectRef idx="0">
+            <a:schemeClr val="accent1"/>
+          </a:effectRef>
+          <a:fontRef idx="minor">
+            <a:schemeClr val="tx1"/>
+          </a:fontRef>
+        </p:style>
+      </p:cxnSp>
+      <p:cxnSp>
+        <p:nvCxnSpPr>
+          <p:cNvPr id="66" name="Straight Arrow Connector 65"/>
+          <p:cNvCxnSpPr>
+            <a:stCxn id="6" idx="3"/>
+            <a:endCxn id="27" idx="1"/>
+          </p:cNvCxnSpPr>
+          <p:nvPr/>
+        </p:nvCxnSpPr>
+        <p:spPr>
+          <a:xfrm flipV="1">
+            <a:off x="1714480" y="5957902"/>
+            <a:ext cx="357190" cy="7147"/>
+          </a:xfrm>
+          <a:prstGeom prst="straightConnector1">
+            <a:avLst/>
+          </a:prstGeom>
+          <a:ln>
+            <a:tailEnd type="arrow"/>
+          </a:ln>
+        </p:spPr>
+        <p:style>
+          <a:lnRef idx="1">
+            <a:schemeClr val="accent1"/>
+          </a:lnRef>
+          <a:fillRef idx="0">
+            <a:schemeClr val="accent1"/>
+          </a:fillRef>
+          <a:effectRef idx="0">
+            <a:schemeClr val="accent1"/>
+          </a:effectRef>
+          <a:fontRef idx="minor">
+            <a:schemeClr val="tx1"/>
+          </a:fontRef>
+        </p:style>
+      </p:cxnSp>
+      <p:cxnSp>
+        <p:nvCxnSpPr>
+          <p:cNvPr id="67" name="Straight Arrow Connector 66"/>
+          <p:cNvCxnSpPr>
+            <a:endCxn id="7" idx="2"/>
+          </p:cNvCxnSpPr>
+          <p:nvPr/>
+        </p:nvCxnSpPr>
+        <p:spPr>
+          <a:xfrm flipV="1">
+            <a:off x="3571868" y="5893611"/>
+            <a:ext cx="214314" cy="42867"/>
+          </a:xfrm>
+          <a:prstGeom prst="straightConnector1">
+            <a:avLst/>
+          </a:prstGeom>
+          <a:ln>
+            <a:tailEnd type="arrow"/>
+          </a:ln>
+        </p:spPr>
+        <p:style>
+          <a:lnRef idx="1">
+            <a:schemeClr val="accent1"/>
+          </a:lnRef>
+          <a:fillRef idx="0">
+            <a:schemeClr val="accent1"/>
+          </a:fillRef>
+          <a:effectRef idx="0">
+            <a:schemeClr val="accent1"/>
+          </a:effectRef>
+          <a:fontRef idx="minor">
+            <a:schemeClr val="tx1"/>
+          </a:fontRef>
+        </p:style>
+      </p:cxnSp>
+      <p:cxnSp>
+        <p:nvCxnSpPr>
+          <p:cNvPr id="71" name="Straight Connector 70"/>
+          <p:cNvCxnSpPr/>
+          <p:nvPr/>
+        </p:nvCxnSpPr>
+        <p:spPr>
+          <a:xfrm rot="5400000">
+            <a:off x="677835" y="5393545"/>
+            <a:ext cx="357984" cy="794"/>
+          </a:xfrm>
+          <a:prstGeom prst="line">
+            <a:avLst/>
+          </a:prstGeom>
+        </p:spPr>
+        <p:style>
+          <a:lnRef idx="1">
+            <a:schemeClr val="accent1"/>
+          </a:lnRef>
+          <a:fillRef idx="0">
+            <a:schemeClr val="accent1"/>
+          </a:fillRef>
+          <a:effectRef idx="0">
+            <a:schemeClr val="accent1"/>
+          </a:effectRef>
+          <a:fontRef idx="minor">
+            <a:schemeClr val="tx1"/>
+          </a:fontRef>
+        </p:style>
+      </p:cxnSp>
+      <p:cxnSp>
+        <p:nvCxnSpPr>
+          <p:cNvPr id="73" name="Straight Connector 72"/>
+          <p:cNvCxnSpPr/>
+          <p:nvPr/>
+        </p:nvCxnSpPr>
+        <p:spPr>
+          <a:xfrm>
+            <a:off x="857224" y="5214950"/>
+            <a:ext cx="8072494" cy="1588"/>
+          </a:xfrm>
+          <a:prstGeom prst="line">
+            <a:avLst/>
+          </a:prstGeom>
         </p:spPr>
         <p:style>
           <a:lnRef idx="1">

--- a/Voice Authentication.pptx
+++ b/Voice Authentication.pptx
@@ -9,7 +9,11 @@
     <p:sldId id="257" r:id="rId3"/>
     <p:sldId id="258" r:id="rId4"/>
     <p:sldId id="260" r:id="rId5"/>
-    <p:sldId id="259" r:id="rId6"/>
+    <p:sldId id="261" r:id="rId6"/>
+    <p:sldId id="262" r:id="rId7"/>
+    <p:sldId id="263" r:id="rId8"/>
+    <p:sldId id="264" r:id="rId9"/>
+    <p:sldId id="259" r:id="rId10"/>
   </p:sldIdLst>
   <p:sldSz cx="9144000" cy="6858000" type="screen4x3"/>
   <p:notesSz cx="6858000" cy="9144000"/>
@@ -293,7 +297,7 @@
             <a:fld id="{8279061B-5D53-4E03-8250-5E15A452924D}" type="datetimeFigureOut">
               <a:rPr lang="en-US" smtClean="0"/>
               <a:pPr/>
-              <a:t>9/2/2022</a:t>
+              <a:t>9/14/2022</a:t>
             </a:fld>
             <a:endParaRPr lang="en-US"/>
           </a:p>
@@ -460,7 +464,7 @@
             <a:fld id="{8279061B-5D53-4E03-8250-5E15A452924D}" type="datetimeFigureOut">
               <a:rPr lang="en-US" smtClean="0"/>
               <a:pPr/>
-              <a:t>9/2/2022</a:t>
+              <a:t>9/14/2022</a:t>
             </a:fld>
             <a:endParaRPr lang="en-US"/>
           </a:p>
@@ -637,7 +641,7 @@
             <a:fld id="{8279061B-5D53-4E03-8250-5E15A452924D}" type="datetimeFigureOut">
               <a:rPr lang="en-US" smtClean="0"/>
               <a:pPr/>
-              <a:t>9/2/2022</a:t>
+              <a:t>9/14/2022</a:t>
             </a:fld>
             <a:endParaRPr lang="en-US"/>
           </a:p>
@@ -804,7 +808,7 @@
             <a:fld id="{8279061B-5D53-4E03-8250-5E15A452924D}" type="datetimeFigureOut">
               <a:rPr lang="en-US" smtClean="0"/>
               <a:pPr/>
-              <a:t>9/2/2022</a:t>
+              <a:t>9/14/2022</a:t>
             </a:fld>
             <a:endParaRPr lang="en-US"/>
           </a:p>
@@ -1047,7 +1051,7 @@
             <a:fld id="{8279061B-5D53-4E03-8250-5E15A452924D}" type="datetimeFigureOut">
               <a:rPr lang="en-US" smtClean="0"/>
               <a:pPr/>
-              <a:t>9/2/2022</a:t>
+              <a:t>9/14/2022</a:t>
             </a:fld>
             <a:endParaRPr lang="en-US"/>
           </a:p>
@@ -1332,7 +1336,7 @@
             <a:fld id="{8279061B-5D53-4E03-8250-5E15A452924D}" type="datetimeFigureOut">
               <a:rPr lang="en-US" smtClean="0"/>
               <a:pPr/>
-              <a:t>9/2/2022</a:t>
+              <a:t>9/14/2022</a:t>
             </a:fld>
             <a:endParaRPr lang="en-US"/>
           </a:p>
@@ -1751,7 +1755,7 @@
             <a:fld id="{8279061B-5D53-4E03-8250-5E15A452924D}" type="datetimeFigureOut">
               <a:rPr lang="en-US" smtClean="0"/>
               <a:pPr/>
-              <a:t>9/2/2022</a:t>
+              <a:t>9/14/2022</a:t>
             </a:fld>
             <a:endParaRPr lang="en-US"/>
           </a:p>
@@ -1866,7 +1870,7 @@
             <a:fld id="{8279061B-5D53-4E03-8250-5E15A452924D}" type="datetimeFigureOut">
               <a:rPr lang="en-US" smtClean="0"/>
               <a:pPr/>
-              <a:t>9/2/2022</a:t>
+              <a:t>9/14/2022</a:t>
             </a:fld>
             <a:endParaRPr lang="en-US"/>
           </a:p>
@@ -1958,7 +1962,7 @@
             <a:fld id="{8279061B-5D53-4E03-8250-5E15A452924D}" type="datetimeFigureOut">
               <a:rPr lang="en-US" smtClean="0"/>
               <a:pPr/>
-              <a:t>9/2/2022</a:t>
+              <a:t>9/14/2022</a:t>
             </a:fld>
             <a:endParaRPr lang="en-US"/>
           </a:p>
@@ -2232,7 +2236,7 @@
             <a:fld id="{8279061B-5D53-4E03-8250-5E15A452924D}" type="datetimeFigureOut">
               <a:rPr lang="en-US" smtClean="0"/>
               <a:pPr/>
-              <a:t>9/2/2022</a:t>
+              <a:t>9/14/2022</a:t>
             </a:fld>
             <a:endParaRPr lang="en-US"/>
           </a:p>
@@ -2482,7 +2486,7 @@
             <a:fld id="{8279061B-5D53-4E03-8250-5E15A452924D}" type="datetimeFigureOut">
               <a:rPr lang="en-US" smtClean="0"/>
               <a:pPr/>
-              <a:t>9/2/2022</a:t>
+              <a:t>9/14/2022</a:t>
             </a:fld>
             <a:endParaRPr lang="en-US"/>
           </a:p>
@@ -2692,7 +2696,7 @@
             <a:fld id="{8279061B-5D53-4E03-8250-5E15A452924D}" type="datetimeFigureOut">
               <a:rPr lang="en-US" smtClean="0"/>
               <a:pPr/>
-              <a:t>9/2/2022</a:t>
+              <a:t>9/14/2022</a:t>
             </a:fld>
             <a:endParaRPr lang="en-US"/>
           </a:p>
@@ -3404,7 +3408,7 @@
         </p:spPr>
         <p:txBody>
           <a:bodyPr>
-            <a:normAutofit/>
+            <a:normAutofit fontScale="92500" lnSpcReduction="10000"/>
           </a:bodyPr>
           <a:lstStyle/>
           <a:p>
@@ -3432,7 +3436,6 @@
               <a:rPr lang="en-IN" sz="2800" b="1" dirty="0" smtClean="0"/>
               <a:t>Angular</a:t>
             </a:r>
-            <a:endParaRPr lang="en-IN" sz="2800" b="1" dirty="0" smtClean="0"/>
           </a:p>
           <a:p>
             <a:pPr lvl="2">
@@ -3479,8 +3482,46 @@
               <a:buChar char="Ø"/>
             </a:pPr>
             <a:r>
+              <a:rPr lang="en-IN" b="1" dirty="0" smtClean="0"/>
+              <a:t>Speech Service API</a:t>
+            </a:r>
+          </a:p>
+          <a:p>
+            <a:pPr lvl="2">
+              <a:buFont typeface="Wingdings" pitchFamily="2" charset="2"/>
+              <a:buChar char="Ø"/>
+            </a:pPr>
+            <a:r>
+              <a:rPr lang="en-IN" b="1" dirty="0" smtClean="0"/>
+              <a:t>Language </a:t>
+            </a:r>
+            <a:r>
+              <a:rPr lang="en-IN" b="1" dirty="0" smtClean="0"/>
+              <a:t>API</a:t>
+            </a:r>
+          </a:p>
+          <a:p>
+            <a:pPr lvl="2">
+              <a:buFont typeface="Wingdings" pitchFamily="2" charset="2"/>
+              <a:buChar char="Ø"/>
+            </a:pPr>
+            <a:r>
+              <a:rPr lang="en-IN" b="1" dirty="0" smtClean="0"/>
+              <a:t>Decision API</a:t>
+            </a:r>
+          </a:p>
+          <a:p>
+            <a:pPr lvl="2">
+              <a:buFont typeface="Wingdings" pitchFamily="2" charset="2"/>
+              <a:buChar char="Ø"/>
+            </a:pPr>
+            <a:r>
               <a:rPr lang="en-US" b="1" dirty="0" smtClean="0"/>
-              <a:t>Azure Cognitive Services(AI)</a:t>
+              <a:t>Azure </a:t>
+            </a:r>
+            <a:r>
+              <a:rPr lang="en-US" b="1" dirty="0" smtClean="0"/>
+              <a:t>Cognitive Services(AI)</a:t>
             </a:r>
           </a:p>
           <a:p>
@@ -3680,6 +3721,646 @@
             <p:ph type="title"/>
           </p:nvPr>
         </p:nvSpPr>
+        <p:spPr/>
+        <p:txBody>
+          <a:bodyPr/>
+          <a:lstStyle/>
+          <a:p>
+            <a:r>
+              <a:rPr lang="en-IN" dirty="0" smtClean="0"/>
+              <a:t>Speech Service</a:t>
+            </a:r>
+            <a:endParaRPr lang="en-US" dirty="0"/>
+          </a:p>
+        </p:txBody>
+      </p:sp>
+      <p:sp>
+        <p:nvSpPr>
+          <p:cNvPr id="12" name="Content Placeholder 11"/>
+          <p:cNvSpPr>
+            <a:spLocks noGrp="1"/>
+          </p:cNvSpPr>
+          <p:nvPr>
+            <p:ph idx="1"/>
+          </p:nvPr>
+        </p:nvSpPr>
+        <p:spPr/>
+        <p:txBody>
+          <a:bodyPr>
+            <a:normAutofit/>
+          </a:bodyPr>
+          <a:lstStyle/>
+          <a:p>
+            <a:r>
+              <a:rPr lang="en-US" sz="2000" dirty="0" smtClean="0"/>
+              <a:t>The Speech service provides speech-to-text and text-to-speech capabilities with an </a:t>
+            </a:r>
+            <a:r>
+              <a:rPr lang="en-US" sz="2000" dirty="0" smtClean="0">
+                <a:hlinkClick r:id="rId2"/>
+              </a:rPr>
+              <a:t>Azure Speech resource</a:t>
+            </a:r>
+            <a:r>
+              <a:rPr lang="en-US" sz="2000" dirty="0" smtClean="0"/>
+              <a:t>. You can transcribe speech to text with high accuracy, produce natural-sounding text-to-speech voices, translate spoken audio, and use speaker recognition during </a:t>
+            </a:r>
+            <a:r>
+              <a:rPr lang="en-US" sz="2000" dirty="0" smtClean="0"/>
+              <a:t>conversations.</a:t>
+            </a:r>
+          </a:p>
+          <a:p>
+            <a:endParaRPr lang="en-US" sz="2000" dirty="0" smtClean="0"/>
+          </a:p>
+          <a:p>
+            <a:r>
+              <a:rPr lang="en-US" sz="2000" dirty="0" smtClean="0"/>
+              <a:t>Create custom voices, add specific words to your base vocabulary, or build your own models. Run Speech anywhere, in the cloud or at the edge in containers. It's easy to speech enable your applications, tools, and devices with the </a:t>
+            </a:r>
+            <a:r>
+              <a:rPr lang="en-US" sz="2000" dirty="0" smtClean="0">
+                <a:hlinkClick r:id="rId3"/>
+              </a:rPr>
+              <a:t>Speech CLI</a:t>
+            </a:r>
+            <a:r>
+              <a:rPr lang="en-US" sz="2000" dirty="0" smtClean="0"/>
+              <a:t>, </a:t>
+            </a:r>
+            <a:r>
+              <a:rPr lang="en-US" sz="2000" dirty="0" smtClean="0">
+                <a:hlinkClick r:id="rId4"/>
+              </a:rPr>
+              <a:t>Speech SDK</a:t>
+            </a:r>
+            <a:r>
+              <a:rPr lang="en-US" sz="2000" dirty="0" smtClean="0"/>
+              <a:t>, </a:t>
+            </a:r>
+            <a:r>
+              <a:rPr lang="en-US" sz="2000" dirty="0" smtClean="0">
+                <a:hlinkClick r:id="rId5"/>
+              </a:rPr>
+              <a:t>Speech Studio</a:t>
+            </a:r>
+            <a:r>
+              <a:rPr lang="en-US" sz="2000" dirty="0" smtClean="0"/>
+              <a:t>, or </a:t>
+            </a:r>
+            <a:r>
+              <a:rPr lang="en-US" sz="2000" dirty="0" smtClean="0">
+                <a:hlinkClick r:id="rId6"/>
+              </a:rPr>
+              <a:t>REST APIs</a:t>
+            </a:r>
+            <a:r>
+              <a:rPr lang="en-US" sz="2000" dirty="0" smtClean="0"/>
+              <a:t>.</a:t>
+            </a:r>
+          </a:p>
+          <a:p>
+            <a:r>
+              <a:rPr lang="en-US" sz="2000" dirty="0" smtClean="0"/>
+              <a:t>Speech is available for many </a:t>
+            </a:r>
+            <a:r>
+              <a:rPr lang="en-US" sz="2000" dirty="0" smtClean="0">
+                <a:hlinkClick r:id="rId7"/>
+              </a:rPr>
+              <a:t>languages</a:t>
+            </a:r>
+            <a:r>
+              <a:rPr lang="en-US" sz="2000" dirty="0" smtClean="0"/>
+              <a:t>, </a:t>
+            </a:r>
+            <a:r>
+              <a:rPr lang="en-US" sz="2000" dirty="0" smtClean="0">
+                <a:hlinkClick r:id="rId8"/>
+              </a:rPr>
+              <a:t>regions</a:t>
+            </a:r>
+            <a:r>
+              <a:rPr lang="en-US" sz="2000" dirty="0" smtClean="0"/>
+              <a:t>, and </a:t>
+            </a:r>
+            <a:r>
+              <a:rPr lang="en-US" sz="2000" dirty="0" smtClean="0">
+                <a:hlinkClick r:id="rId9"/>
+              </a:rPr>
+              <a:t>price points</a:t>
+            </a:r>
+            <a:r>
+              <a:rPr lang="en-US" sz="2000" dirty="0" smtClean="0"/>
+              <a:t>.</a:t>
+            </a:r>
+          </a:p>
+          <a:p>
+            <a:endParaRPr lang="en-US" sz="1800" dirty="0"/>
+          </a:p>
+        </p:txBody>
+      </p:sp>
+    </p:spTree>
+  </p:cSld>
+  <p:clrMapOvr>
+    <a:masterClrMapping/>
+  </p:clrMapOvr>
+</p:sld>
+</file>
+
+<file path=ppt/slides/slide6.xml><?xml version="1.0" encoding="utf-8"?>
+<p:sld xmlns:a="http://schemas.openxmlformats.org/drawingml/2006/main" xmlns:r="http://schemas.openxmlformats.org/officeDocument/2006/relationships" xmlns:p="http://schemas.openxmlformats.org/presentationml/2006/main">
+  <p:cSld>
+    <p:spTree>
+      <p:nvGrpSpPr>
+        <p:cNvPr id="1" name=""/>
+        <p:cNvGrpSpPr/>
+        <p:nvPr/>
+      </p:nvGrpSpPr>
+      <p:grpSpPr>
+        <a:xfrm>
+          <a:off x="0" y="0"/>
+          <a:ext cx="0" cy="0"/>
+          <a:chOff x="0" y="0"/>
+          <a:chExt cx="0" cy="0"/>
+        </a:xfrm>
+      </p:grpSpPr>
+      <p:sp>
+        <p:nvSpPr>
+          <p:cNvPr id="2" name="Title 1"/>
+          <p:cNvSpPr>
+            <a:spLocks noGrp="1"/>
+          </p:cNvSpPr>
+          <p:nvPr>
+            <p:ph type="title"/>
+          </p:nvPr>
+        </p:nvSpPr>
+        <p:spPr/>
+        <p:txBody>
+          <a:bodyPr>
+            <a:normAutofit fontScale="90000"/>
+          </a:bodyPr>
+          <a:lstStyle/>
+          <a:p>
+            <a:r>
+              <a:rPr lang="en-US" b="1" dirty="0" smtClean="0"/>
+              <a:t>Language APIs</a:t>
+            </a:r>
+            <a:br>
+              <a:rPr lang="en-US" b="1" dirty="0" smtClean="0"/>
+            </a:br>
+            <a:endParaRPr lang="en-US" dirty="0"/>
+          </a:p>
+        </p:txBody>
+      </p:sp>
+      <p:sp>
+        <p:nvSpPr>
+          <p:cNvPr id="3" name="Content Placeholder 2"/>
+          <p:cNvSpPr>
+            <a:spLocks noGrp="1"/>
+          </p:cNvSpPr>
+          <p:nvPr>
+            <p:ph idx="1"/>
+          </p:nvPr>
+        </p:nvSpPr>
+        <p:spPr/>
+        <p:txBody>
+          <a:bodyPr>
+            <a:noAutofit/>
+          </a:bodyPr>
+          <a:lstStyle/>
+          <a:p>
+            <a:r>
+              <a:rPr lang="en-US" sz="1800" dirty="0" smtClean="0">
+                <a:hlinkClick r:id="rId2" tooltip="Language service"/>
+              </a:rPr>
+              <a:t>Language </a:t>
+            </a:r>
+            <a:r>
+              <a:rPr lang="en-US" sz="1800" dirty="0" smtClean="0">
+                <a:hlinkClick r:id="rId2" tooltip="Language service"/>
+              </a:rPr>
+              <a:t>service</a:t>
+            </a:r>
+            <a:r>
+              <a:rPr lang="en-US" sz="1800" dirty="0" smtClean="0"/>
+              <a:t>:</a:t>
+            </a:r>
+          </a:p>
+          <a:p>
+            <a:r>
+              <a:rPr lang="en-US" sz="1800" dirty="0" smtClean="0"/>
+              <a:t>Azure Language service provides several Natural Language Processing (NLP) features to understand and analyze text.</a:t>
+            </a:r>
+          </a:p>
+          <a:p>
+            <a:r>
+              <a:rPr lang="en-US" sz="1800" dirty="0" smtClean="0">
+                <a:hlinkClick r:id="rId3" tooltip="Translator"/>
+              </a:rPr>
+              <a:t>Translator</a:t>
+            </a:r>
+            <a:r>
+              <a:rPr lang="en-US" sz="1800" dirty="0" smtClean="0"/>
+              <a:t>:</a:t>
+            </a:r>
+          </a:p>
+          <a:p>
+            <a:r>
+              <a:rPr lang="en-US" sz="1800" dirty="0" smtClean="0"/>
+              <a:t>Translator provides machine-based text translation in near real time</a:t>
+            </a:r>
+          </a:p>
+          <a:p>
+            <a:r>
+              <a:rPr lang="en-US" sz="1800" dirty="0" smtClean="0">
+                <a:hlinkClick r:id="rId4" tooltip="Language Understanding"/>
+              </a:rPr>
+              <a:t>Language Understanding LUIS</a:t>
+            </a:r>
+            <a:endParaRPr lang="en-US" sz="1800" dirty="0" smtClean="0"/>
+          </a:p>
+          <a:p>
+            <a:r>
+              <a:rPr lang="en-US" sz="1800" dirty="0" smtClean="0"/>
+              <a:t>Language </a:t>
+            </a:r>
+            <a:r>
+              <a:rPr lang="en-US" sz="1800" dirty="0" smtClean="0"/>
+              <a:t>Understanding (LUIS) is a cloud-based conversational AI service that applies custom machine-learning intelligence to a user's conversational or natural language text to predict overall meaning and pull out relevant information</a:t>
+            </a:r>
+            <a:r>
+              <a:rPr lang="en-US" sz="1800" dirty="0" smtClean="0"/>
+              <a:t>..</a:t>
+            </a:r>
+          </a:p>
+          <a:p>
+            <a:r>
+              <a:rPr lang="en-US" sz="1800" dirty="0" err="1" smtClean="0">
+                <a:hlinkClick r:id="rId5" tooltip="QnA Maker"/>
+              </a:rPr>
+              <a:t>QnA</a:t>
+            </a:r>
+            <a:r>
+              <a:rPr lang="en-US" sz="1800" dirty="0" smtClean="0">
+                <a:hlinkClick r:id="rId5" tooltip="QnA Maker"/>
+              </a:rPr>
+              <a:t> Maker</a:t>
+            </a:r>
+            <a:endParaRPr lang="en-US" sz="1800" dirty="0" smtClean="0"/>
+          </a:p>
+          <a:p>
+            <a:r>
+              <a:rPr lang="en-US" sz="1800" dirty="0" err="1" smtClean="0"/>
+              <a:t>QnA</a:t>
+            </a:r>
+            <a:r>
+              <a:rPr lang="en-US" sz="1800" dirty="0" smtClean="0"/>
+              <a:t> Maker allows you to build a question and answer service from your semi-structured content.</a:t>
+            </a:r>
+            <a:endParaRPr lang="en-US" sz="1800" dirty="0"/>
+          </a:p>
+        </p:txBody>
+      </p:sp>
+    </p:spTree>
+  </p:cSld>
+  <p:clrMapOvr>
+    <a:masterClrMapping/>
+  </p:clrMapOvr>
+</p:sld>
+</file>
+
+<file path=ppt/slides/slide7.xml><?xml version="1.0" encoding="utf-8"?>
+<p:sld xmlns:a="http://schemas.openxmlformats.org/drawingml/2006/main" xmlns:r="http://schemas.openxmlformats.org/officeDocument/2006/relationships" xmlns:p="http://schemas.openxmlformats.org/presentationml/2006/main">
+  <p:cSld>
+    <p:spTree>
+      <p:nvGrpSpPr>
+        <p:cNvPr id="1" name=""/>
+        <p:cNvGrpSpPr/>
+        <p:nvPr/>
+      </p:nvGrpSpPr>
+      <p:grpSpPr>
+        <a:xfrm>
+          <a:off x="0" y="0"/>
+          <a:ext cx="0" cy="0"/>
+          <a:chOff x="0" y="0"/>
+          <a:chExt cx="0" cy="0"/>
+        </a:xfrm>
+      </p:grpSpPr>
+      <p:sp>
+        <p:nvSpPr>
+          <p:cNvPr id="2" name="Title 1"/>
+          <p:cNvSpPr>
+            <a:spLocks noGrp="1"/>
+          </p:cNvSpPr>
+          <p:nvPr>
+            <p:ph type="title"/>
+          </p:nvPr>
+        </p:nvSpPr>
+        <p:spPr/>
+        <p:txBody>
+          <a:bodyPr>
+            <a:normAutofit fontScale="90000"/>
+          </a:bodyPr>
+          <a:lstStyle/>
+          <a:p>
+            <a:r>
+              <a:rPr lang="en-US" b="1" dirty="0" smtClean="0"/>
+              <a:t>Decision APIs</a:t>
+            </a:r>
+            <a:br>
+              <a:rPr lang="en-US" b="1" dirty="0" smtClean="0"/>
+            </a:br>
+            <a:endParaRPr lang="en-US" dirty="0"/>
+          </a:p>
+        </p:txBody>
+      </p:sp>
+      <p:sp>
+        <p:nvSpPr>
+          <p:cNvPr id="3" name="Content Placeholder 2"/>
+          <p:cNvSpPr>
+            <a:spLocks noGrp="1"/>
+          </p:cNvSpPr>
+          <p:nvPr>
+            <p:ph idx="1"/>
+          </p:nvPr>
+        </p:nvSpPr>
+        <p:spPr/>
+        <p:txBody>
+          <a:bodyPr>
+            <a:normAutofit/>
+          </a:bodyPr>
+          <a:lstStyle/>
+          <a:p>
+            <a:r>
+              <a:rPr lang="en-US" sz="2000" u="sng" dirty="0" smtClean="0">
+                <a:hlinkClick r:id="rId2" tooltip="Anomaly Detector"/>
+              </a:rPr>
+              <a:t>Anomaly </a:t>
+            </a:r>
+            <a:r>
+              <a:rPr lang="en-US" sz="2000" u="sng" dirty="0" smtClean="0">
+                <a:hlinkClick r:id="rId2" tooltip="Anomaly Detector"/>
+              </a:rPr>
+              <a:t>Detector</a:t>
+            </a:r>
+            <a:endParaRPr lang="en-US" sz="2000" u="sng" dirty="0" smtClean="0"/>
+          </a:p>
+          <a:p>
+            <a:r>
+              <a:rPr lang="en-US" sz="2000" dirty="0" smtClean="0"/>
+              <a:t>Anomaly </a:t>
+            </a:r>
+            <a:r>
+              <a:rPr lang="en-US" sz="2000" dirty="0" smtClean="0"/>
+              <a:t>Detector allows you to monitor and detect abnormalities in your time series data</a:t>
+            </a:r>
+            <a:r>
+              <a:rPr lang="en-US" sz="2000" dirty="0" smtClean="0"/>
+              <a:t>.</a:t>
+            </a:r>
+          </a:p>
+          <a:p>
+            <a:endParaRPr lang="en-US" sz="2000" dirty="0" smtClean="0"/>
+          </a:p>
+          <a:p>
+            <a:r>
+              <a:rPr lang="en-US" sz="2000" u="sng" dirty="0" smtClean="0">
+                <a:hlinkClick r:id="rId3" tooltip="Content Moderator"/>
+              </a:rPr>
+              <a:t>Content </a:t>
+            </a:r>
+            <a:r>
+              <a:rPr lang="en-US" sz="2000" u="sng" dirty="0" smtClean="0">
+                <a:hlinkClick r:id="rId3" tooltip="Content Moderator"/>
+              </a:rPr>
+              <a:t>Moderator</a:t>
+            </a:r>
+            <a:endParaRPr lang="en-US" sz="2000" u="sng" dirty="0" smtClean="0"/>
+          </a:p>
+          <a:p>
+            <a:r>
+              <a:rPr lang="en-US" sz="2000" dirty="0" smtClean="0"/>
+              <a:t>Content </a:t>
+            </a:r>
+            <a:r>
+              <a:rPr lang="en-US" sz="2000" dirty="0" smtClean="0"/>
+              <a:t>Moderator provides monitoring for possible offensive, undesirable, and risky content</a:t>
+            </a:r>
+            <a:r>
+              <a:rPr lang="en-US" sz="2000" dirty="0" smtClean="0"/>
+              <a:t>.</a:t>
+            </a:r>
+          </a:p>
+          <a:p>
+            <a:pPr>
+              <a:buNone/>
+            </a:pPr>
+            <a:endParaRPr lang="en-US" sz="2000" dirty="0" smtClean="0"/>
+          </a:p>
+          <a:p>
+            <a:r>
+              <a:rPr lang="en-US" sz="2000" u="sng" dirty="0" err="1" smtClean="0">
+                <a:hlinkClick r:id="rId4" tooltip="Personalizer"/>
+              </a:rPr>
+              <a:t>Personalizer</a:t>
+            </a:r>
+            <a:endParaRPr lang="en-US" sz="2000" u="sng" dirty="0" smtClean="0"/>
+          </a:p>
+          <a:p>
+            <a:r>
+              <a:rPr lang="en-US" sz="2000" dirty="0" err="1" smtClean="0"/>
+              <a:t>Personalizer</a:t>
+            </a:r>
+            <a:r>
+              <a:rPr lang="en-US" sz="2000" dirty="0" smtClean="0"/>
+              <a:t> </a:t>
+            </a:r>
+            <a:r>
+              <a:rPr lang="en-US" sz="2000" dirty="0" smtClean="0"/>
+              <a:t>allows you to choose the best experience to show to your users, learning from their real-time behavior.</a:t>
+            </a:r>
+            <a:endParaRPr lang="en-US" sz="2000" dirty="0"/>
+          </a:p>
+        </p:txBody>
+      </p:sp>
+    </p:spTree>
+  </p:cSld>
+  <p:clrMapOvr>
+    <a:masterClrMapping/>
+  </p:clrMapOvr>
+</p:sld>
+</file>
+
+<file path=ppt/slides/slide8.xml><?xml version="1.0" encoding="utf-8"?>
+<p:sld xmlns:a="http://schemas.openxmlformats.org/drawingml/2006/main" xmlns:r="http://schemas.openxmlformats.org/officeDocument/2006/relationships" xmlns:p="http://schemas.openxmlformats.org/presentationml/2006/main">
+  <p:cSld>
+    <p:spTree>
+      <p:nvGrpSpPr>
+        <p:cNvPr id="1" name=""/>
+        <p:cNvGrpSpPr/>
+        <p:nvPr/>
+      </p:nvGrpSpPr>
+      <p:grpSpPr>
+        <a:xfrm>
+          <a:off x="0" y="0"/>
+          <a:ext cx="0" cy="0"/>
+          <a:chOff x="0" y="0"/>
+          <a:chExt cx="0" cy="0"/>
+        </a:xfrm>
+      </p:grpSpPr>
+      <p:sp>
+        <p:nvSpPr>
+          <p:cNvPr id="2" name="Title 1"/>
+          <p:cNvSpPr>
+            <a:spLocks noGrp="1"/>
+          </p:cNvSpPr>
+          <p:nvPr>
+            <p:ph type="title"/>
+          </p:nvPr>
+        </p:nvSpPr>
+        <p:spPr/>
+        <p:txBody>
+          <a:bodyPr>
+            <a:normAutofit fontScale="90000"/>
+          </a:bodyPr>
+          <a:lstStyle/>
+          <a:p>
+            <a:r>
+              <a:rPr lang="en-US" sz="3100" b="1" dirty="0" smtClean="0"/>
+              <a:t>Create a new Azure Cognitive Services resource</a:t>
+            </a:r>
+            <a:r>
+              <a:rPr lang="en-US" b="1" dirty="0" smtClean="0"/>
+              <a:t/>
+            </a:r>
+            <a:br>
+              <a:rPr lang="en-US" b="1" dirty="0" smtClean="0"/>
+            </a:br>
+            <a:endParaRPr lang="en-US" dirty="0"/>
+          </a:p>
+        </p:txBody>
+      </p:sp>
+      <p:sp>
+        <p:nvSpPr>
+          <p:cNvPr id="3" name="Content Placeholder 2"/>
+          <p:cNvSpPr>
+            <a:spLocks noGrp="1"/>
+          </p:cNvSpPr>
+          <p:nvPr>
+            <p:ph idx="1"/>
+          </p:nvPr>
+        </p:nvSpPr>
+        <p:spPr/>
+        <p:txBody>
+          <a:bodyPr/>
+          <a:lstStyle/>
+          <a:p>
+            <a:pPr>
+              <a:buNone/>
+            </a:pPr>
+            <a:r>
+              <a:rPr lang="en-US" sz="2400" dirty="0" smtClean="0"/>
+              <a:t>    The </a:t>
+            </a:r>
+            <a:r>
+              <a:rPr lang="en-US" sz="2400" dirty="0" smtClean="0"/>
+              <a:t>multi-service resource is named </a:t>
+            </a:r>
+            <a:r>
+              <a:rPr lang="en-US" sz="2400" b="1" dirty="0" smtClean="0"/>
+              <a:t>Cognitive Services</a:t>
+            </a:r>
+            <a:r>
+              <a:rPr lang="en-US" sz="2400" dirty="0" smtClean="0"/>
+              <a:t> in the portal. The multi-service resource enables access to the following Cognitive Services:</a:t>
+            </a:r>
+          </a:p>
+          <a:p>
+            <a:pPr lvl="3">
+              <a:buFont typeface="Wingdings" pitchFamily="2" charset="2"/>
+              <a:buChar char="q"/>
+            </a:pPr>
+            <a:r>
+              <a:rPr lang="en-US" sz="2400" b="1" dirty="0" smtClean="0"/>
+              <a:t>Decision</a:t>
+            </a:r>
+            <a:r>
+              <a:rPr lang="en-US" sz="2400" dirty="0" smtClean="0"/>
+              <a:t> - Content Moderator</a:t>
+            </a:r>
+          </a:p>
+          <a:p>
+            <a:pPr lvl="3">
+              <a:buFont typeface="Wingdings" pitchFamily="2" charset="2"/>
+              <a:buChar char="q"/>
+            </a:pPr>
+            <a:r>
+              <a:rPr lang="en-US" sz="2400" b="1" dirty="0" smtClean="0"/>
+              <a:t>Language</a:t>
+            </a:r>
+            <a:r>
+              <a:rPr lang="en-US" sz="2400" dirty="0" smtClean="0"/>
+              <a:t> - Language, Translator</a:t>
+            </a:r>
+          </a:p>
+          <a:p>
+            <a:pPr lvl="3">
+              <a:buFont typeface="Wingdings" pitchFamily="2" charset="2"/>
+              <a:buChar char="q"/>
+            </a:pPr>
+            <a:r>
+              <a:rPr lang="en-US" sz="2400" b="1" dirty="0" smtClean="0"/>
+              <a:t>Speech</a:t>
+            </a:r>
+            <a:r>
+              <a:rPr lang="en-US" sz="2400" dirty="0" smtClean="0"/>
+              <a:t> - Speech</a:t>
+            </a:r>
+          </a:p>
+          <a:p>
+            <a:pPr lvl="2">
+              <a:buNone/>
+            </a:pPr>
+            <a:endParaRPr lang="en-US" dirty="0"/>
+          </a:p>
+        </p:txBody>
+      </p:sp>
+    </p:spTree>
+  </p:cSld>
+  <p:clrMapOvr>
+    <a:masterClrMapping/>
+  </p:clrMapOvr>
+</p:sld>
+</file>
+
+<file path=ppt/slides/slide9.xml><?xml version="1.0" encoding="utf-8"?>
+<p:sld xmlns:a="http://schemas.openxmlformats.org/drawingml/2006/main" xmlns:r="http://schemas.openxmlformats.org/officeDocument/2006/relationships" xmlns:p="http://schemas.openxmlformats.org/presentationml/2006/main">
+  <p:cSld>
+    <p:spTree>
+      <p:nvGrpSpPr>
+        <p:cNvPr id="1" name=""/>
+        <p:cNvGrpSpPr/>
+        <p:nvPr/>
+      </p:nvGrpSpPr>
+      <p:grpSpPr>
+        <a:xfrm>
+          <a:off x="0" y="0"/>
+          <a:ext cx="0" cy="0"/>
+          <a:chOff x="0" y="0"/>
+          <a:chExt cx="0" cy="0"/>
+        </a:xfrm>
+      </p:grpSpPr>
+      <p:sp>
+        <p:nvSpPr>
+          <p:cNvPr id="2" name="Title 1"/>
+          <p:cNvSpPr>
+            <a:spLocks noGrp="1"/>
+          </p:cNvSpPr>
+          <p:nvPr>
+            <p:ph type="title"/>
+          </p:nvPr>
+        </p:nvSpPr>
         <p:spPr>
           <a:xfrm>
             <a:off x="0" y="274638"/>
@@ -3851,7 +4532,7 @@
             <a:pPr algn="ctr"/>
             <a:r>
               <a:rPr lang="en-IN" sz="1600" dirty="0" smtClean="0"/>
-              <a:t>Web </a:t>
+              <a:t>Speech service </a:t>
             </a:r>
             <a:r>
               <a:rPr lang="en-IN" sz="1600" dirty="0" err="1" smtClean="0"/>
@@ -3873,7 +4554,7 @@
         </p:nvSpPr>
         <p:spPr>
           <a:xfrm>
-            <a:off x="3786182" y="5429264"/>
+            <a:off x="6143636" y="5429264"/>
             <a:ext cx="1143008" cy="928694"/>
           </a:xfrm>
           <a:prstGeom prst="flowChartMagneticDisk">
@@ -4222,7 +4903,7 @@
         </p:nvSpPr>
         <p:spPr>
           <a:xfrm>
-            <a:off x="2071670" y="5572140"/>
+            <a:off x="4286248" y="5572140"/>
             <a:ext cx="1428760" cy="771524"/>
           </a:xfrm>
           <a:prstGeom prst="rect">
@@ -4578,42 +5259,7 @@
         <p:spPr>
           <a:xfrm flipV="1">
             <a:off x="1714480" y="5957902"/>
-            <a:ext cx="357190" cy="7147"/>
-          </a:xfrm>
-          <a:prstGeom prst="straightConnector1">
-            <a:avLst/>
-          </a:prstGeom>
-          <a:ln>
-            <a:tailEnd type="arrow"/>
-          </a:ln>
-        </p:spPr>
-        <p:style>
-          <a:lnRef idx="1">
-            <a:schemeClr val="accent1"/>
-          </a:lnRef>
-          <a:fillRef idx="0">
-            <a:schemeClr val="accent1"/>
-          </a:fillRef>
-          <a:effectRef idx="0">
-            <a:schemeClr val="accent1"/>
-          </a:effectRef>
-          <a:fontRef idx="minor">
-            <a:schemeClr val="tx1"/>
-          </a:fontRef>
-        </p:style>
-      </p:cxnSp>
-      <p:cxnSp>
-        <p:nvCxnSpPr>
-          <p:cNvPr id="67" name="Straight Arrow Connector 66"/>
-          <p:cNvCxnSpPr>
-            <a:endCxn id="7" idx="2"/>
-          </p:cNvCxnSpPr>
-          <p:nvPr/>
-        </p:nvCxnSpPr>
-        <p:spPr>
-          <a:xfrm flipV="1">
-            <a:off x="3571868" y="5893611"/>
-            <a:ext cx="214314" cy="42867"/>
+            <a:ext cx="2571768" cy="7147"/>
           </a:xfrm>
           <a:prstGeom prst="straightConnector1">
             <a:avLst/>
@@ -4681,6 +5327,162 @@
           <a:prstGeom prst="line">
             <a:avLst/>
           </a:prstGeom>
+        </p:spPr>
+        <p:style>
+          <a:lnRef idx="1">
+            <a:schemeClr val="accent1"/>
+          </a:lnRef>
+          <a:fillRef idx="0">
+            <a:schemeClr val="accent1"/>
+          </a:fillRef>
+          <a:effectRef idx="0">
+            <a:schemeClr val="accent1"/>
+          </a:effectRef>
+          <a:fontRef idx="minor">
+            <a:schemeClr val="tx1"/>
+          </a:fontRef>
+        </p:style>
+      </p:cxnSp>
+      <p:sp>
+        <p:nvSpPr>
+          <p:cNvPr id="33" name="Rectangle 32"/>
+          <p:cNvSpPr/>
+          <p:nvPr/>
+        </p:nvSpPr>
+        <p:spPr>
+          <a:xfrm>
+            <a:off x="2357422" y="5572140"/>
+            <a:ext cx="1500198" cy="714380"/>
+          </a:xfrm>
+          <a:prstGeom prst="rect">
+            <a:avLst/>
+          </a:prstGeom>
+        </p:spPr>
+        <p:style>
+          <a:lnRef idx="2">
+            <a:schemeClr val="accent1">
+              <a:shade val="50000"/>
+            </a:schemeClr>
+          </a:lnRef>
+          <a:fillRef idx="1">
+            <a:schemeClr val="accent1"/>
+          </a:fillRef>
+          <a:effectRef idx="0">
+            <a:schemeClr val="accent1"/>
+          </a:effectRef>
+          <a:fontRef idx="minor">
+            <a:schemeClr val="lt1"/>
+          </a:fontRef>
+        </p:style>
+        <p:txBody>
+          <a:bodyPr rtlCol="0" anchor="ctr"/>
+          <a:lstStyle/>
+          <a:p>
+            <a:pPr algn="ctr"/>
+            <a:r>
+              <a:rPr lang="en-IN" dirty="0" smtClean="0"/>
+              <a:t>Language API</a:t>
+            </a:r>
+            <a:endParaRPr lang="en-US" dirty="0"/>
+          </a:p>
+        </p:txBody>
+      </p:sp>
+      <p:cxnSp>
+        <p:nvCxnSpPr>
+          <p:cNvPr id="39" name="Straight Arrow Connector 38"/>
+          <p:cNvCxnSpPr>
+            <a:endCxn id="7" idx="2"/>
+          </p:cNvCxnSpPr>
+          <p:nvPr/>
+        </p:nvCxnSpPr>
+        <p:spPr>
+          <a:xfrm flipV="1">
+            <a:off x="4143372" y="5893611"/>
+            <a:ext cx="2000264" cy="42867"/>
+          </a:xfrm>
+          <a:prstGeom prst="straightConnector1">
+            <a:avLst/>
+          </a:prstGeom>
+          <a:ln>
+            <a:tailEnd type="arrow"/>
+          </a:ln>
+        </p:spPr>
+        <p:style>
+          <a:lnRef idx="1">
+            <a:schemeClr val="accent1"/>
+          </a:lnRef>
+          <a:fillRef idx="0">
+            <a:schemeClr val="accent1"/>
+          </a:fillRef>
+          <a:effectRef idx="0">
+            <a:schemeClr val="accent1"/>
+          </a:effectRef>
+          <a:fontRef idx="minor">
+            <a:schemeClr val="tx1"/>
+          </a:fontRef>
+        </p:style>
+      </p:cxnSp>
+      <p:sp>
+        <p:nvSpPr>
+          <p:cNvPr id="42" name="Flowchart: Magnetic Disk 41"/>
+          <p:cNvSpPr/>
+          <p:nvPr/>
+        </p:nvSpPr>
+        <p:spPr>
+          <a:xfrm>
+            <a:off x="7786710" y="5357826"/>
+            <a:ext cx="1000132" cy="928694"/>
+          </a:xfrm>
+          <a:prstGeom prst="flowChartMagneticDisk">
+            <a:avLst/>
+          </a:prstGeom>
+        </p:spPr>
+        <p:style>
+          <a:lnRef idx="2">
+            <a:schemeClr val="accent1">
+              <a:shade val="50000"/>
+            </a:schemeClr>
+          </a:lnRef>
+          <a:fillRef idx="1">
+            <a:schemeClr val="accent1"/>
+          </a:fillRef>
+          <a:effectRef idx="0">
+            <a:schemeClr val="accent1"/>
+          </a:effectRef>
+          <a:fontRef idx="minor">
+            <a:schemeClr val="lt1"/>
+          </a:fontRef>
+        </p:style>
+        <p:txBody>
+          <a:bodyPr rtlCol="0" anchor="ctr"/>
+          <a:lstStyle/>
+          <a:p>
+            <a:pPr algn="ctr"/>
+            <a:r>
+              <a:rPr lang="en-IN" dirty="0" err="1" smtClean="0"/>
+              <a:t>Hadoop</a:t>
+            </a:r>
+            <a:endParaRPr lang="en-US" dirty="0"/>
+          </a:p>
+        </p:txBody>
+      </p:sp>
+      <p:cxnSp>
+        <p:nvCxnSpPr>
+          <p:cNvPr id="43" name="Straight Arrow Connector 42"/>
+          <p:cNvCxnSpPr/>
+          <p:nvPr/>
+        </p:nvCxnSpPr>
+        <p:spPr>
+          <a:xfrm>
+            <a:off x="5929322" y="5900760"/>
+            <a:ext cx="1857388" cy="28570"/>
+          </a:xfrm>
+          <a:prstGeom prst="straightConnector1">
+            <a:avLst/>
+          </a:prstGeom>
+          <a:ln>
+            <a:tailEnd type="arrow"/>
+          </a:ln>
         </p:spPr>
         <p:style>
           <a:lnRef idx="1">

--- a/Voice Authentication.pptx
+++ b/Voice Authentication.pptx
@@ -3493,11 +3493,7 @@
             </a:pPr>
             <a:r>
               <a:rPr lang="en-IN" b="1" dirty="0" smtClean="0"/>
-              <a:t>Language </a:t>
-            </a:r>
-            <a:r>
-              <a:rPr lang="en-IN" b="1" dirty="0" smtClean="0"/>
-              <a:t>API</a:t>
+              <a:t>Language API</a:t>
             </a:r>
           </a:p>
           <a:p>
@@ -3517,11 +3513,7 @@
             </a:pPr>
             <a:r>
               <a:rPr lang="en-US" b="1" dirty="0" smtClean="0"/>
-              <a:t>Azure </a:t>
-            </a:r>
-            <a:r>
-              <a:rPr lang="en-US" b="1" dirty="0" smtClean="0"/>
-              <a:t>Cognitive Services(AI)</a:t>
+              <a:t>Azure Cognitive Services(AI)</a:t>
             </a:r>
           </a:p>
           <a:p>
@@ -3763,11 +3755,7 @@
             </a:r>
             <a:r>
               <a:rPr lang="en-US" sz="2000" dirty="0" smtClean="0"/>
-              <a:t>. You can transcribe speech to text with high accuracy, produce natural-sounding text-to-speech voices, translate spoken audio, and use speaker recognition during </a:t>
-            </a:r>
-            <a:r>
-              <a:rPr lang="en-US" sz="2000" dirty="0" smtClean="0"/>
-              <a:t>conversations.</a:t>
+              <a:t>. You can transcribe speech to text with high accuracy, produce natural-sounding text-to-speech voices, translate spoken audio, and use speaker recognition during conversations.</a:t>
             </a:r>
           </a:p>
           <a:p>
@@ -3934,13 +3922,7 @@
               <a:rPr lang="en-US" sz="1800" dirty="0" smtClean="0">
                 <a:hlinkClick r:id="rId2" tooltip="Language service"/>
               </a:rPr>
-              <a:t>Language </a:t>
-            </a:r>
-            <a:r>
-              <a:rPr lang="en-US" sz="1800" dirty="0" smtClean="0">
-                <a:hlinkClick r:id="rId2" tooltip="Language service"/>
-              </a:rPr>
-              <a:t>service</a:t>
+              <a:t>Language service</a:t>
             </a:r>
             <a:r>
               <a:rPr lang="en-US" sz="1800" dirty="0" smtClean="0"/>
@@ -3983,15 +3965,7 @@
           <a:p>
             <a:r>
               <a:rPr lang="en-US" sz="1800" dirty="0" smtClean="0"/>
-              <a:t>Language </a:t>
-            </a:r>
-            <a:r>
-              <a:rPr lang="en-US" sz="1800" dirty="0" smtClean="0"/>
-              <a:t>Understanding (LUIS) is a cloud-based conversational AI service that applies custom machine-learning intelligence to a user's conversational or natural language text to predict overall meaning and pull out relevant information</a:t>
-            </a:r>
-            <a:r>
-              <a:rPr lang="en-US" sz="1800" dirty="0" smtClean="0"/>
-              <a:t>..</a:t>
+              <a:t>Language Understanding (LUIS) is a cloud-based conversational AI service that applies custom machine-learning intelligence to a user's conversational or natural language text to predict overall meaning and pull out relevant information..</a:t>
             </a:r>
           </a:p>
           <a:p>
@@ -4096,28 +4070,14 @@
               <a:rPr lang="en-US" sz="2000" u="sng" dirty="0" smtClean="0">
                 <a:hlinkClick r:id="rId2" tooltip="Anomaly Detector"/>
               </a:rPr>
-              <a:t>Anomaly </a:t>
-            </a:r>
-            <a:r>
-              <a:rPr lang="en-US" sz="2000" u="sng" dirty="0" smtClean="0">
-                <a:hlinkClick r:id="rId2" tooltip="Anomaly Detector"/>
-              </a:rPr>
-              <a:t>Detector</a:t>
+              <a:t>Anomaly Detector</a:t>
             </a:r>
             <a:endParaRPr lang="en-US" sz="2000" u="sng" dirty="0" smtClean="0"/>
           </a:p>
           <a:p>
             <a:r>
               <a:rPr lang="en-US" sz="2000" dirty="0" smtClean="0"/>
-              <a:t>Anomaly </a:t>
-            </a:r>
-            <a:r>
-              <a:rPr lang="en-US" sz="2000" dirty="0" smtClean="0"/>
-              <a:t>Detector allows you to monitor and detect abnormalities in your time series data</a:t>
-            </a:r>
-            <a:r>
-              <a:rPr lang="en-US" sz="2000" dirty="0" smtClean="0"/>
-              <a:t>.</a:t>
+              <a:t>Anomaly Detector allows you to monitor and detect abnormalities in your time series data.</a:t>
             </a:r>
           </a:p>
           <a:p>
@@ -4128,28 +4088,14 @@
               <a:rPr lang="en-US" sz="2000" u="sng" dirty="0" smtClean="0">
                 <a:hlinkClick r:id="rId3" tooltip="Content Moderator"/>
               </a:rPr>
-              <a:t>Content </a:t>
-            </a:r>
-            <a:r>
-              <a:rPr lang="en-US" sz="2000" u="sng" dirty="0" smtClean="0">
-                <a:hlinkClick r:id="rId3" tooltip="Content Moderator"/>
-              </a:rPr>
-              <a:t>Moderator</a:t>
+              <a:t>Content Moderator</a:t>
             </a:r>
             <a:endParaRPr lang="en-US" sz="2000" u="sng" dirty="0" smtClean="0"/>
           </a:p>
           <a:p>
             <a:r>
               <a:rPr lang="en-US" sz="2000" dirty="0" smtClean="0"/>
-              <a:t>Content </a:t>
-            </a:r>
-            <a:r>
-              <a:rPr lang="en-US" sz="2000" dirty="0" smtClean="0"/>
-              <a:t>Moderator provides monitoring for possible offensive, undesirable, and risky content</a:t>
-            </a:r>
-            <a:r>
-              <a:rPr lang="en-US" sz="2000" dirty="0" smtClean="0"/>
-              <a:t>.</a:t>
+              <a:t>Content Moderator provides monitoring for possible offensive, undesirable, and risky content.</a:t>
             </a:r>
           </a:p>
           <a:p>
@@ -4174,11 +4120,7 @@
             </a:r>
             <a:r>
               <a:rPr lang="en-US" sz="2000" dirty="0" smtClean="0"/>
-              <a:t> </a:t>
-            </a:r>
-            <a:r>
-              <a:rPr lang="en-US" sz="2000" dirty="0" smtClean="0"/>
-              <a:t>allows you to choose the best experience to show to your users, learning from their real-time behavior.</a:t>
+              <a:t> allows you to choose the best experience to show to your users, learning from their real-time behavior.</a:t>
             </a:r>
             <a:endParaRPr lang="en-US" sz="2000" dirty="0"/>
           </a:p>
@@ -4261,11 +4203,7 @@
             </a:pPr>
             <a:r>
               <a:rPr lang="en-US" sz="2400" dirty="0" smtClean="0"/>
-              <a:t>    The </a:t>
-            </a:r>
-            <a:r>
-              <a:rPr lang="en-US" sz="2400" dirty="0" smtClean="0"/>
-              <a:t>multi-service resource is named </a:t>
+              <a:t>    The multi-service resource is named </a:t>
             </a:r>
             <a:r>
               <a:rPr lang="en-US" sz="2400" b="1" dirty="0" smtClean="0"/>
@@ -4503,7 +4441,7 @@
         <p:spPr>
           <a:xfrm>
             <a:off x="214282" y="5572140"/>
-            <a:ext cx="1500198" cy="785818"/>
+            <a:ext cx="1500198" cy="714380"/>
           </a:xfrm>
           <a:prstGeom prst="rect">
             <a:avLst/>
@@ -4903,8 +4841,8 @@
         </p:nvSpPr>
         <p:spPr>
           <a:xfrm>
-            <a:off x="4286248" y="5572140"/>
-            <a:ext cx="1428760" cy="771524"/>
+            <a:off x="4857752" y="5572140"/>
+            <a:ext cx="1000132" cy="642942"/>
           </a:xfrm>
           <a:prstGeom prst="rect">
             <a:avLst/>
@@ -5249,42 +5187,6 @@
       </p:cxnSp>
       <p:cxnSp>
         <p:nvCxnSpPr>
-          <p:cNvPr id="66" name="Straight Arrow Connector 65"/>
-          <p:cNvCxnSpPr>
-            <a:stCxn id="6" idx="3"/>
-            <a:endCxn id="27" idx="1"/>
-          </p:cNvCxnSpPr>
-          <p:nvPr/>
-        </p:nvCxnSpPr>
-        <p:spPr>
-          <a:xfrm flipV="1">
-            <a:off x="1714480" y="5957902"/>
-            <a:ext cx="2571768" cy="7147"/>
-          </a:xfrm>
-          <a:prstGeom prst="straightConnector1">
-            <a:avLst/>
-          </a:prstGeom>
-          <a:ln>
-            <a:tailEnd type="arrow"/>
-          </a:ln>
-        </p:spPr>
-        <p:style>
-          <a:lnRef idx="1">
-            <a:schemeClr val="accent1"/>
-          </a:lnRef>
-          <a:fillRef idx="0">
-            <a:schemeClr val="accent1"/>
-          </a:fillRef>
-          <a:effectRef idx="0">
-            <a:schemeClr val="accent1"/>
-          </a:effectRef>
-          <a:fontRef idx="minor">
-            <a:schemeClr val="tx1"/>
-          </a:fontRef>
-        </p:style>
-      </p:cxnSp>
-      <p:cxnSp>
-        <p:nvCxnSpPr>
           <p:cNvPr id="71" name="Straight Connector 70"/>
           <p:cNvCxnSpPr/>
           <p:nvPr/>
@@ -5351,8 +5253,8 @@
         </p:nvSpPr>
         <p:spPr>
           <a:xfrm>
-            <a:off x="2357422" y="5572140"/>
-            <a:ext cx="1500198" cy="714380"/>
+            <a:off x="1928794" y="5572140"/>
+            <a:ext cx="1357322" cy="714380"/>
           </a:xfrm>
           <a:prstGeom prst="rect">
             <a:avLst/>
@@ -5380,10 +5282,10 @@
           <a:p>
             <a:pPr algn="ctr"/>
             <a:r>
-              <a:rPr lang="en-IN" dirty="0" smtClean="0"/>
+              <a:rPr lang="en-IN" sz="1600" dirty="0" smtClean="0"/>
               <a:t>Language API</a:t>
             </a:r>
-            <a:endParaRPr lang="en-US" dirty="0"/>
+            <a:endParaRPr lang="en-US" sz="1600" dirty="0"/>
           </a:p>
         </p:txBody>
       </p:sp>
@@ -5476,6 +5378,119 @@
           <a:xfrm>
             <a:off x="5929322" y="5900760"/>
             <a:ext cx="1857388" cy="28570"/>
+          </a:xfrm>
+          <a:prstGeom prst="straightConnector1">
+            <a:avLst/>
+          </a:prstGeom>
+          <a:ln>
+            <a:tailEnd type="arrow"/>
+          </a:ln>
+        </p:spPr>
+        <p:style>
+          <a:lnRef idx="1">
+            <a:schemeClr val="accent1"/>
+          </a:lnRef>
+          <a:fillRef idx="0">
+            <a:schemeClr val="accent1"/>
+          </a:fillRef>
+          <a:effectRef idx="0">
+            <a:schemeClr val="accent1"/>
+          </a:effectRef>
+          <a:fontRef idx="minor">
+            <a:schemeClr val="tx1"/>
+          </a:fontRef>
+        </p:style>
+      </p:cxnSp>
+      <p:sp>
+        <p:nvSpPr>
+          <p:cNvPr id="34" name="Rectangle 33"/>
+          <p:cNvSpPr/>
+          <p:nvPr/>
+        </p:nvSpPr>
+        <p:spPr>
+          <a:xfrm>
+            <a:off x="3571868" y="5572140"/>
+            <a:ext cx="1071570" cy="642942"/>
+          </a:xfrm>
+          <a:prstGeom prst="rect">
+            <a:avLst/>
+          </a:prstGeom>
+        </p:spPr>
+        <p:style>
+          <a:lnRef idx="2">
+            <a:schemeClr val="accent1">
+              <a:shade val="50000"/>
+            </a:schemeClr>
+          </a:lnRef>
+          <a:fillRef idx="1">
+            <a:schemeClr val="accent1"/>
+          </a:fillRef>
+          <a:effectRef idx="0">
+            <a:schemeClr val="accent1"/>
+          </a:effectRef>
+          <a:fontRef idx="minor">
+            <a:schemeClr val="lt1"/>
+          </a:fontRef>
+        </p:style>
+        <p:txBody>
+          <a:bodyPr rtlCol="0" anchor="ctr"/>
+          <a:lstStyle/>
+          <a:p>
+            <a:pPr algn="ctr"/>
+            <a:r>
+              <a:rPr lang="en-IN" sz="1600" dirty="0" smtClean="0"/>
+              <a:t>Decision API</a:t>
+            </a:r>
+            <a:endParaRPr lang="en-US" sz="1600" dirty="0"/>
+          </a:p>
+        </p:txBody>
+      </p:sp>
+      <p:cxnSp>
+        <p:nvCxnSpPr>
+          <p:cNvPr id="45" name="Straight Arrow Connector 44"/>
+          <p:cNvCxnSpPr>
+            <a:stCxn id="6" idx="3"/>
+            <a:endCxn id="33" idx="1"/>
+          </p:cNvCxnSpPr>
+          <p:nvPr/>
+        </p:nvCxnSpPr>
+        <p:spPr>
+          <a:xfrm>
+            <a:off x="1714480" y="5929330"/>
+            <a:ext cx="214314" cy="1588"/>
+          </a:xfrm>
+          <a:prstGeom prst="straightConnector1">
+            <a:avLst/>
+          </a:prstGeom>
+          <a:ln>
+            <a:tailEnd type="arrow"/>
+          </a:ln>
+        </p:spPr>
+        <p:style>
+          <a:lnRef idx="1">
+            <a:schemeClr val="accent1"/>
+          </a:lnRef>
+          <a:fillRef idx="0">
+            <a:schemeClr val="accent1"/>
+          </a:fillRef>
+          <a:effectRef idx="0">
+            <a:schemeClr val="accent1"/>
+          </a:effectRef>
+          <a:fontRef idx="minor">
+            <a:schemeClr val="tx1"/>
+          </a:fontRef>
+        </p:style>
+      </p:cxnSp>
+      <p:cxnSp>
+        <p:nvCxnSpPr>
+          <p:cNvPr id="49" name="Straight Arrow Connector 48"/>
+          <p:cNvCxnSpPr/>
+          <p:nvPr/>
+        </p:nvCxnSpPr>
+        <p:spPr>
+          <a:xfrm>
+            <a:off x="3357554" y="5929330"/>
+            <a:ext cx="214314" cy="1588"/>
           </a:xfrm>
           <a:prstGeom prst="straightConnector1">
             <a:avLst/>

--- a/Voice Authentication.pptx
+++ b/Voice Authentication.pptx
@@ -14,6 +14,8 @@
     <p:sldId id="263" r:id="rId8"/>
     <p:sldId id="264" r:id="rId9"/>
     <p:sldId id="259" r:id="rId10"/>
+    <p:sldId id="265" r:id="rId11"/>
+    <p:sldId id="266" r:id="rId12"/>
   </p:sldIdLst>
   <p:sldSz cx="9144000" cy="6858000" type="screen4x3"/>
   <p:notesSz cx="6858000" cy="9144000"/>
@@ -297,7 +299,7 @@
             <a:fld id="{8279061B-5D53-4E03-8250-5E15A452924D}" type="datetimeFigureOut">
               <a:rPr lang="en-US" smtClean="0"/>
               <a:pPr/>
-              <a:t>9/14/2022</a:t>
+              <a:t>9/20/2022</a:t>
             </a:fld>
             <a:endParaRPr lang="en-US"/>
           </a:p>
@@ -464,7 +466,7 @@
             <a:fld id="{8279061B-5D53-4E03-8250-5E15A452924D}" type="datetimeFigureOut">
               <a:rPr lang="en-US" smtClean="0"/>
               <a:pPr/>
-              <a:t>9/14/2022</a:t>
+              <a:t>9/20/2022</a:t>
             </a:fld>
             <a:endParaRPr lang="en-US"/>
           </a:p>
@@ -641,7 +643,7 @@
             <a:fld id="{8279061B-5D53-4E03-8250-5E15A452924D}" type="datetimeFigureOut">
               <a:rPr lang="en-US" smtClean="0"/>
               <a:pPr/>
-              <a:t>9/14/2022</a:t>
+              <a:t>9/20/2022</a:t>
             </a:fld>
             <a:endParaRPr lang="en-US"/>
           </a:p>
@@ -808,7 +810,7 @@
             <a:fld id="{8279061B-5D53-4E03-8250-5E15A452924D}" type="datetimeFigureOut">
               <a:rPr lang="en-US" smtClean="0"/>
               <a:pPr/>
-              <a:t>9/14/2022</a:t>
+              <a:t>9/20/2022</a:t>
             </a:fld>
             <a:endParaRPr lang="en-US"/>
           </a:p>
@@ -1051,7 +1053,7 @@
             <a:fld id="{8279061B-5D53-4E03-8250-5E15A452924D}" type="datetimeFigureOut">
               <a:rPr lang="en-US" smtClean="0"/>
               <a:pPr/>
-              <a:t>9/14/2022</a:t>
+              <a:t>9/20/2022</a:t>
             </a:fld>
             <a:endParaRPr lang="en-US"/>
           </a:p>
@@ -1336,7 +1338,7 @@
             <a:fld id="{8279061B-5D53-4E03-8250-5E15A452924D}" type="datetimeFigureOut">
               <a:rPr lang="en-US" smtClean="0"/>
               <a:pPr/>
-              <a:t>9/14/2022</a:t>
+              <a:t>9/20/2022</a:t>
             </a:fld>
             <a:endParaRPr lang="en-US"/>
           </a:p>
@@ -1755,7 +1757,7 @@
             <a:fld id="{8279061B-5D53-4E03-8250-5E15A452924D}" type="datetimeFigureOut">
               <a:rPr lang="en-US" smtClean="0"/>
               <a:pPr/>
-              <a:t>9/14/2022</a:t>
+              <a:t>9/20/2022</a:t>
             </a:fld>
             <a:endParaRPr lang="en-US"/>
           </a:p>
@@ -1870,7 +1872,7 @@
             <a:fld id="{8279061B-5D53-4E03-8250-5E15A452924D}" type="datetimeFigureOut">
               <a:rPr lang="en-US" smtClean="0"/>
               <a:pPr/>
-              <a:t>9/14/2022</a:t>
+              <a:t>9/20/2022</a:t>
             </a:fld>
             <a:endParaRPr lang="en-US"/>
           </a:p>
@@ -1962,7 +1964,7 @@
             <a:fld id="{8279061B-5D53-4E03-8250-5E15A452924D}" type="datetimeFigureOut">
               <a:rPr lang="en-US" smtClean="0"/>
               <a:pPr/>
-              <a:t>9/14/2022</a:t>
+              <a:t>9/20/2022</a:t>
             </a:fld>
             <a:endParaRPr lang="en-US"/>
           </a:p>
@@ -2236,7 +2238,7 @@
             <a:fld id="{8279061B-5D53-4E03-8250-5E15A452924D}" type="datetimeFigureOut">
               <a:rPr lang="en-US" smtClean="0"/>
               <a:pPr/>
-              <a:t>9/14/2022</a:t>
+              <a:t>9/20/2022</a:t>
             </a:fld>
             <a:endParaRPr lang="en-US"/>
           </a:p>
@@ -2486,7 +2488,7 @@
             <a:fld id="{8279061B-5D53-4E03-8250-5E15A452924D}" type="datetimeFigureOut">
               <a:rPr lang="en-US" smtClean="0"/>
               <a:pPr/>
-              <a:t>9/14/2022</a:t>
+              <a:t>9/20/2022</a:t>
             </a:fld>
             <a:endParaRPr lang="en-US"/>
           </a:p>
@@ -2696,7 +2698,7 @@
             <a:fld id="{8279061B-5D53-4E03-8250-5E15A452924D}" type="datetimeFigureOut">
               <a:rPr lang="en-US" smtClean="0"/>
               <a:pPr/>
-              <a:t>9/14/2022</a:t>
+              <a:t>9/20/2022</a:t>
             </a:fld>
             <a:endParaRPr lang="en-US"/>
           </a:p>
@@ -3170,6 +3172,295 @@
 </p:sld>
 </file>
 
+<file path=ppt/slides/slide10.xml><?xml version="1.0" encoding="utf-8"?>
+<p:sld xmlns:a="http://schemas.openxmlformats.org/drawingml/2006/main" xmlns:r="http://schemas.openxmlformats.org/officeDocument/2006/relationships" xmlns:p="http://schemas.openxmlformats.org/presentationml/2006/main">
+  <p:cSld>
+    <p:spTree>
+      <p:nvGrpSpPr>
+        <p:cNvPr id="1" name=""/>
+        <p:cNvGrpSpPr/>
+        <p:nvPr/>
+      </p:nvGrpSpPr>
+      <p:grpSpPr>
+        <a:xfrm>
+          <a:off x="0" y="0"/>
+          <a:ext cx="0" cy="0"/>
+          <a:chOff x="0" y="0"/>
+          <a:chExt cx="0" cy="0"/>
+        </a:xfrm>
+      </p:grpSpPr>
+      <p:sp>
+        <p:nvSpPr>
+          <p:cNvPr id="2" name="Title 1"/>
+          <p:cNvSpPr>
+            <a:spLocks noGrp="1"/>
+          </p:cNvSpPr>
+          <p:nvPr>
+            <p:ph type="title"/>
+          </p:nvPr>
+        </p:nvSpPr>
+        <p:spPr/>
+        <p:txBody>
+          <a:bodyPr>
+            <a:normAutofit fontScale="90000"/>
+          </a:bodyPr>
+          <a:lstStyle/>
+          <a:p>
+            <a:r>
+              <a:rPr lang="en-US" sz="4000" b="1" dirty="0" smtClean="0"/>
+              <a:t>How does voice biometrics prevent fraud?</a:t>
+            </a:r>
+            <a:r>
+              <a:rPr lang="en-US" b="1" dirty="0" smtClean="0"/>
+              <a:t/>
+            </a:r>
+            <a:br>
+              <a:rPr lang="en-US" b="1" dirty="0" smtClean="0"/>
+            </a:br>
+            <a:endParaRPr lang="en-US" dirty="0"/>
+          </a:p>
+        </p:txBody>
+      </p:sp>
+      <p:sp>
+        <p:nvSpPr>
+          <p:cNvPr id="3" name="Content Placeholder 2"/>
+          <p:cNvSpPr>
+            <a:spLocks noGrp="1"/>
+          </p:cNvSpPr>
+          <p:nvPr>
+            <p:ph idx="1"/>
+          </p:nvPr>
+        </p:nvSpPr>
+        <p:spPr/>
+        <p:txBody>
+          <a:bodyPr>
+            <a:normAutofit/>
+          </a:bodyPr>
+          <a:lstStyle/>
+          <a:p>
+            <a:r>
+              <a:rPr lang="en-US" b="1" dirty="0" smtClean="0"/>
+              <a:t>Armour365™  </a:t>
+            </a:r>
+          </a:p>
+          <a:p>
+            <a:r>
+              <a:rPr lang="en-US" dirty="0" smtClean="0"/>
+              <a:t>armour365™ is a language and text agnostic Voice Biometrics solution.</a:t>
+            </a:r>
+            <a:endParaRPr lang="en-US" b="1" dirty="0" smtClean="0"/>
+          </a:p>
+          <a:p>
+            <a:r>
+              <a:rPr lang="en-US" sz="2200" dirty="0" smtClean="0"/>
+              <a:t>Since voice biometrics provides real-time voice authentication by comparing a saved voiceprint with that of the caller, it helps ratify a person’s identity. Many characteristics of the caller are analyzed before authentication. At Armour365™, we use more than 120-140 characteristics while creating a voiceprint. </a:t>
+            </a:r>
+            <a:r>
+              <a:rPr lang="en-US" sz="2200" b="1" dirty="0" smtClean="0"/>
+              <a:t>Since it has an anti-spoofing layer, even if the synthetic voice is used</a:t>
+            </a:r>
+            <a:r>
+              <a:rPr lang="en-US" sz="2200" dirty="0" smtClean="0"/>
+              <a:t>, it identifies the caller as fraud and shuts them down.</a:t>
+            </a:r>
+            <a:endParaRPr lang="en-US" sz="2200" b="1" dirty="0"/>
+          </a:p>
+        </p:txBody>
+      </p:sp>
+    </p:spTree>
+  </p:cSld>
+  <p:clrMapOvr>
+    <a:masterClrMapping/>
+  </p:clrMapOvr>
+</p:sld>
+</file>
+
+<file path=ppt/slides/slide11.xml><?xml version="1.0" encoding="utf-8"?>
+<p:sld xmlns:a="http://schemas.openxmlformats.org/drawingml/2006/main" xmlns:r="http://schemas.openxmlformats.org/officeDocument/2006/relationships" xmlns:p="http://schemas.openxmlformats.org/presentationml/2006/main">
+  <p:cSld>
+    <p:spTree>
+      <p:nvGrpSpPr>
+        <p:cNvPr id="1" name=""/>
+        <p:cNvGrpSpPr/>
+        <p:nvPr/>
+      </p:nvGrpSpPr>
+      <p:grpSpPr>
+        <a:xfrm>
+          <a:off x="0" y="0"/>
+          <a:ext cx="0" cy="0"/>
+          <a:chOff x="0" y="0"/>
+          <a:chExt cx="0" cy="0"/>
+        </a:xfrm>
+      </p:grpSpPr>
+      <p:sp>
+        <p:nvSpPr>
+          <p:cNvPr id="2" name="Title 1"/>
+          <p:cNvSpPr>
+            <a:spLocks noGrp="1"/>
+          </p:cNvSpPr>
+          <p:nvPr>
+            <p:ph type="title"/>
+          </p:nvPr>
+        </p:nvSpPr>
+        <p:spPr/>
+        <p:txBody>
+          <a:bodyPr/>
+          <a:lstStyle/>
+          <a:p>
+            <a:r>
+              <a:rPr lang="en-US" b="1" dirty="0" smtClean="0"/>
+              <a:t>Armour365 </a:t>
+            </a:r>
+            <a:r>
+              <a:rPr lang="en-US" b="1" dirty="0" smtClean="0"/>
+              <a:t>Voice Biometrics</a:t>
+            </a:r>
+            <a:endParaRPr lang="en-US" dirty="0"/>
+          </a:p>
+        </p:txBody>
+      </p:sp>
+      <p:pic>
+        <p:nvPicPr>
+          <p:cNvPr id="1026" name="Picture 2"/>
+          <p:cNvPicPr>
+            <a:picLocks noGrp="1" noChangeAspect="1" noChangeArrowheads="1"/>
+          </p:cNvPicPr>
+          <p:nvPr>
+            <p:ph idx="1"/>
+          </p:nvPr>
+        </p:nvPicPr>
+        <p:blipFill>
+          <a:blip r:embed="rId2"/>
+          <a:srcRect/>
+          <a:stretch>
+            <a:fillRect/>
+          </a:stretch>
+        </p:blipFill>
+        <p:spPr bwMode="auto">
+          <a:xfrm>
+            <a:off x="428596" y="1785926"/>
+            <a:ext cx="2406774" cy="2140060"/>
+          </a:xfrm>
+          <a:prstGeom prst="rect">
+            <a:avLst/>
+          </a:prstGeom>
+          <a:noFill/>
+          <a:ln w="9525">
+            <a:noFill/>
+            <a:miter lim="800000"/>
+            <a:headEnd/>
+            <a:tailEnd/>
+          </a:ln>
+          <a:effectLst/>
+        </p:spPr>
+      </p:pic>
+      <p:pic>
+        <p:nvPicPr>
+          <p:cNvPr id="1027" name="Picture 3"/>
+          <p:cNvPicPr>
+            <a:picLocks noChangeAspect="1" noChangeArrowheads="1"/>
+          </p:cNvPicPr>
+          <p:nvPr/>
+        </p:nvPicPr>
+        <p:blipFill>
+          <a:blip r:embed="rId3"/>
+          <a:srcRect/>
+          <a:stretch>
+            <a:fillRect/>
+          </a:stretch>
+        </p:blipFill>
+        <p:spPr bwMode="auto">
+          <a:xfrm>
+            <a:off x="3143240" y="1857364"/>
+            <a:ext cx="2425700" cy="2178050"/>
+          </a:xfrm>
+          <a:prstGeom prst="rect">
+            <a:avLst/>
+          </a:prstGeom>
+          <a:noFill/>
+          <a:ln w="9525">
+            <a:noFill/>
+            <a:miter lim="800000"/>
+            <a:headEnd/>
+            <a:tailEnd/>
+          </a:ln>
+          <a:effectLst/>
+        </p:spPr>
+      </p:pic>
+      <p:pic>
+        <p:nvPicPr>
+          <p:cNvPr id="1028" name="Picture 4"/>
+          <p:cNvPicPr>
+            <a:picLocks noChangeAspect="1" noChangeArrowheads="1"/>
+          </p:cNvPicPr>
+          <p:nvPr/>
+        </p:nvPicPr>
+        <p:blipFill>
+          <a:blip r:embed="rId4"/>
+          <a:srcRect/>
+          <a:stretch>
+            <a:fillRect/>
+          </a:stretch>
+        </p:blipFill>
+        <p:spPr bwMode="auto">
+          <a:xfrm>
+            <a:off x="6000760" y="1928802"/>
+            <a:ext cx="2400300" cy="2038350"/>
+          </a:xfrm>
+          <a:prstGeom prst="rect">
+            <a:avLst/>
+          </a:prstGeom>
+          <a:noFill/>
+          <a:ln w="9525">
+            <a:noFill/>
+            <a:miter lim="800000"/>
+            <a:headEnd/>
+            <a:tailEnd/>
+          </a:ln>
+          <a:effectLst/>
+        </p:spPr>
+      </p:pic>
+      <p:pic>
+        <p:nvPicPr>
+          <p:cNvPr id="1029" name="Picture 5"/>
+          <p:cNvPicPr>
+            <a:picLocks noChangeAspect="1" noChangeArrowheads="1"/>
+          </p:cNvPicPr>
+          <p:nvPr/>
+        </p:nvPicPr>
+        <p:blipFill>
+          <a:blip r:embed="rId5"/>
+          <a:srcRect/>
+          <a:stretch>
+            <a:fillRect/>
+          </a:stretch>
+        </p:blipFill>
+        <p:spPr bwMode="auto">
+          <a:xfrm>
+            <a:off x="571472" y="3929066"/>
+            <a:ext cx="2444750" cy="2159000"/>
+          </a:xfrm>
+          <a:prstGeom prst="rect">
+            <a:avLst/>
+          </a:prstGeom>
+          <a:noFill/>
+          <a:ln w="9525">
+            <a:noFill/>
+            <a:miter lim="800000"/>
+            <a:headEnd/>
+            <a:tailEnd/>
+          </a:ln>
+          <a:effectLst/>
+        </p:spPr>
+      </p:pic>
+    </p:spTree>
+  </p:cSld>
+  <p:clrMapOvr>
+    <a:masterClrMapping/>
+  </p:clrMapOvr>
+</p:sld>
+</file>
+
 <file path=ppt/slides/slide2.xml><?xml version="1.0" encoding="utf-8"?>
 <p:sld xmlns:a="http://schemas.openxmlformats.org/drawingml/2006/main" xmlns:r="http://schemas.openxmlformats.org/officeDocument/2006/relationships" xmlns:p="http://schemas.openxmlformats.org/presentationml/2006/main">
   <p:cSld>
@@ -3408,7 +3699,7 @@
         </p:spPr>
         <p:txBody>
           <a:bodyPr>
-            <a:normAutofit fontScale="92500" lnSpcReduction="10000"/>
+            <a:normAutofit fontScale="85000" lnSpcReduction="10000"/>
           </a:bodyPr>
           <a:lstStyle/>
           <a:p>
@@ -3482,9 +3773,10 @@
               <a:buChar char="Ø"/>
             </a:pPr>
             <a:r>
-              <a:rPr lang="en-IN" b="1" dirty="0" smtClean="0"/>
-              <a:t>Speech Service API</a:t>
-            </a:r>
+              <a:rPr lang="en-IN" b="1" dirty="0" err="1" smtClean="0"/>
+              <a:t>Microservices</a:t>
+            </a:r>
+            <a:endParaRPr lang="en-IN" b="1" dirty="0" smtClean="0"/>
           </a:p>
           <a:p>
             <a:pPr lvl="2">
@@ -3493,7 +3785,7 @@
             </a:pPr>
             <a:r>
               <a:rPr lang="en-IN" b="1" dirty="0" smtClean="0"/>
-              <a:t>Language API</a:t>
+              <a:t>Speech Service API</a:t>
             </a:r>
           </a:p>
           <a:p>
@@ -3503,7 +3795,7 @@
             </a:pPr>
             <a:r>
               <a:rPr lang="en-IN" b="1" dirty="0" smtClean="0"/>
-              <a:t>Decision API</a:t>
+              <a:t>Language API</a:t>
             </a:r>
           </a:p>
           <a:p>
@@ -3512,8 +3804,8 @@
               <a:buChar char="Ø"/>
             </a:pPr>
             <a:r>
-              <a:rPr lang="en-US" b="1" dirty="0" smtClean="0"/>
-              <a:t>Azure Cognitive Services(AI)</a:t>
+              <a:rPr lang="en-IN" b="1" dirty="0" smtClean="0"/>
+              <a:t>Decision API</a:t>
             </a:r>
           </a:p>
           <a:p>
@@ -3522,9 +3814,34 @@
               <a:buChar char="Ø"/>
             </a:pPr>
             <a:r>
+              <a:rPr lang="en-US" b="1" dirty="0" smtClean="0"/>
+              <a:t>Azure Cognitive Services(AI)</a:t>
+            </a:r>
+          </a:p>
+          <a:p>
+            <a:pPr lvl="2">
+              <a:buFont typeface="Wingdings" pitchFamily="2" charset="2"/>
+              <a:buChar char="Ø"/>
+            </a:pPr>
+            <a:r>
               <a:rPr lang="en-IN" b="1" dirty="0" smtClean="0"/>
-              <a:t>Azure Cosmo DB</a:t>
-            </a:r>
+              <a:t>Azure Cosmo </a:t>
+            </a:r>
+            <a:r>
+              <a:rPr lang="en-IN" b="1" dirty="0" smtClean="0"/>
+              <a:t>DB</a:t>
+            </a:r>
+          </a:p>
+          <a:p>
+            <a:pPr lvl="2">
+              <a:buFont typeface="Wingdings" pitchFamily="2" charset="2"/>
+              <a:buChar char="Ø"/>
+            </a:pPr>
+            <a:r>
+              <a:rPr lang="en-IN" b="1" dirty="0" smtClean="0"/>
+              <a:t>Blob storage</a:t>
+            </a:r>
+            <a:endParaRPr lang="en-IN" b="1" dirty="0" smtClean="0"/>
           </a:p>
           <a:p>
             <a:pPr lvl="2">
@@ -4332,7 +4649,7 @@
         <p:spPr>
           <a:xfrm>
             <a:off x="0" y="1428736"/>
-            <a:ext cx="9144000" cy="5214974"/>
+            <a:ext cx="9144000" cy="5429264"/>
           </a:xfrm>
         </p:spPr>
         <p:txBody>
@@ -4349,16 +4666,9 @@
           <a:p>
             <a:r>
               <a:rPr lang="en-US" sz="2000" dirty="0" smtClean="0"/>
-              <a:t>Web </a:t>
-            </a:r>
-            <a:r>
-              <a:rPr lang="en-US" sz="2000" dirty="0" err="1" smtClean="0"/>
-              <a:t>api</a:t>
-            </a:r>
-            <a:r>
-              <a:rPr lang="en-US" sz="2000" dirty="0" smtClean="0"/>
-              <a:t> Service layer endpoint with parameters with Voice and User Id and password.</a:t>
-            </a:r>
+              <a:t>Micro services talks to each other while processing voice print into DB.</a:t>
+            </a:r>
+            <a:endParaRPr lang="en-US" sz="2000" dirty="0" smtClean="0"/>
           </a:p>
           <a:p>
             <a:r>
@@ -4371,18 +4681,48 @@
             </a:r>
             <a:r>
               <a:rPr lang="en-US" sz="2000" dirty="0" smtClean="0"/>
-              <a:t> db/</a:t>
+              <a:t> </a:t>
+            </a:r>
+            <a:r>
+              <a:rPr lang="en-US" sz="2000" dirty="0" smtClean="0"/>
+              <a:t>db /Blob/</a:t>
             </a:r>
             <a:r>
               <a:rPr lang="en-US" sz="2000" dirty="0" err="1" smtClean="0"/>
               <a:t>Hadoop</a:t>
             </a:r>
+            <a:r>
+              <a:rPr lang="en-US" sz="2000" dirty="0" smtClean="0"/>
+              <a:t> for </a:t>
+            </a:r>
+            <a:r>
+              <a:rPr lang="en-US" sz="2000" dirty="0" err="1" smtClean="0"/>
+              <a:t>unstrutred</a:t>
+            </a:r>
+            <a:r>
+              <a:rPr lang="en-US" sz="2000" dirty="0" smtClean="0"/>
+              <a:t> data.</a:t>
+            </a:r>
             <a:endParaRPr lang="en-US" sz="2000" dirty="0" smtClean="0"/>
           </a:p>
           <a:p>
             <a:r>
               <a:rPr lang="en-US" sz="2000" dirty="0" smtClean="0"/>
-              <a:t>SSL layer with HTTP protocol communication with server</a:t>
+              <a:t>SSL layer with HTTP protocol communication with </a:t>
+            </a:r>
+            <a:r>
+              <a:rPr lang="en-US" sz="2000" dirty="0" smtClean="0"/>
+              <a:t>server</a:t>
+            </a:r>
+          </a:p>
+          <a:p>
+            <a:r>
+              <a:rPr lang="en-IN" sz="2000" dirty="0" smtClean="0"/>
+              <a:t>Scalability and consistency with Azure  Data </a:t>
+            </a:r>
+            <a:r>
+              <a:rPr lang="en-IN" sz="2000" dirty="0" err="1" smtClean="0"/>
+              <a:t>centers</a:t>
             </a:r>
             <a:endParaRPr lang="en-US" sz="2000" dirty="0"/>
           </a:p>
@@ -4492,8 +4832,8 @@
         </p:nvSpPr>
         <p:spPr>
           <a:xfrm>
-            <a:off x="6143636" y="5429264"/>
-            <a:ext cx="1143008" cy="928694"/>
+            <a:off x="6215074" y="5429264"/>
+            <a:ext cx="785818" cy="714380"/>
           </a:xfrm>
           <a:prstGeom prst="flowChartMagneticDisk">
             <a:avLst/>
@@ -5289,41 +5629,6 @@
           </a:p>
         </p:txBody>
       </p:sp>
-      <p:cxnSp>
-        <p:nvCxnSpPr>
-          <p:cNvPr id="39" name="Straight Arrow Connector 38"/>
-          <p:cNvCxnSpPr>
-            <a:endCxn id="7" idx="2"/>
-          </p:cNvCxnSpPr>
-          <p:nvPr/>
-        </p:nvCxnSpPr>
-        <p:spPr>
-          <a:xfrm flipV="1">
-            <a:off x="4143372" y="5893611"/>
-            <a:ext cx="2000264" cy="42867"/>
-          </a:xfrm>
-          <a:prstGeom prst="straightConnector1">
-            <a:avLst/>
-          </a:prstGeom>
-          <a:ln>
-            <a:tailEnd type="arrow"/>
-          </a:ln>
-        </p:spPr>
-        <p:style>
-          <a:lnRef idx="1">
-            <a:schemeClr val="accent1"/>
-          </a:lnRef>
-          <a:fillRef idx="0">
-            <a:schemeClr val="accent1"/>
-          </a:fillRef>
-          <a:effectRef idx="0">
-            <a:schemeClr val="accent1"/>
-          </a:effectRef>
-          <a:fontRef idx="minor">
-            <a:schemeClr val="tx1"/>
-          </a:fontRef>
-        </p:style>
-      </p:cxnSp>
       <p:sp>
         <p:nvSpPr>
           <p:cNvPr id="42" name="Flowchart: Magnetic Disk 41"/>
@@ -5368,39 +5673,6 @@
           </a:p>
         </p:txBody>
       </p:sp>
-      <p:cxnSp>
-        <p:nvCxnSpPr>
-          <p:cNvPr id="43" name="Straight Arrow Connector 42"/>
-          <p:cNvCxnSpPr/>
-          <p:nvPr/>
-        </p:nvCxnSpPr>
-        <p:spPr>
-          <a:xfrm>
-            <a:off x="5929322" y="5900760"/>
-            <a:ext cx="1857388" cy="28570"/>
-          </a:xfrm>
-          <a:prstGeom prst="straightConnector1">
-            <a:avLst/>
-          </a:prstGeom>
-          <a:ln>
-            <a:tailEnd type="arrow"/>
-          </a:ln>
-        </p:spPr>
-        <p:style>
-          <a:lnRef idx="1">
-            <a:schemeClr val="accent1"/>
-          </a:lnRef>
-          <a:fillRef idx="0">
-            <a:schemeClr val="accent1"/>
-          </a:fillRef>
-          <a:effectRef idx="0">
-            <a:schemeClr val="accent1"/>
-          </a:effectRef>
-          <a:fontRef idx="minor">
-            <a:schemeClr val="tx1"/>
-          </a:fontRef>
-        </p:style>
-      </p:cxnSp>
       <p:sp>
         <p:nvSpPr>
           <p:cNvPr id="34" name="Rectangle 33"/>
@@ -5491,6 +5763,226 @@
           <a:xfrm>
             <a:off x="3357554" y="5929330"/>
             <a:ext cx="214314" cy="1588"/>
+          </a:xfrm>
+          <a:prstGeom prst="straightConnector1">
+            <a:avLst/>
+          </a:prstGeom>
+          <a:ln>
+            <a:tailEnd type="arrow"/>
+          </a:ln>
+        </p:spPr>
+        <p:style>
+          <a:lnRef idx="1">
+            <a:schemeClr val="accent1"/>
+          </a:lnRef>
+          <a:fillRef idx="0">
+            <a:schemeClr val="accent1"/>
+          </a:fillRef>
+          <a:effectRef idx="0">
+            <a:schemeClr val="accent1"/>
+          </a:effectRef>
+          <a:fontRef idx="minor">
+            <a:schemeClr val="tx1"/>
+          </a:fontRef>
+        </p:style>
+      </p:cxnSp>
+      <p:cxnSp>
+        <p:nvCxnSpPr>
+          <p:cNvPr id="46" name="Straight Arrow Connector 45"/>
+          <p:cNvCxnSpPr>
+            <a:stCxn id="34" idx="3"/>
+            <a:endCxn id="27" idx="1"/>
+          </p:cNvCxnSpPr>
+          <p:nvPr/>
+        </p:nvCxnSpPr>
+        <p:spPr>
+          <a:xfrm>
+            <a:off x="4643438" y="5893611"/>
+            <a:ext cx="214314" cy="1588"/>
+          </a:xfrm>
+          <a:prstGeom prst="straightConnector1">
+            <a:avLst/>
+          </a:prstGeom>
+          <a:ln>
+            <a:tailEnd type="arrow"/>
+          </a:ln>
+        </p:spPr>
+        <p:style>
+          <a:lnRef idx="1">
+            <a:schemeClr val="accent1"/>
+          </a:lnRef>
+          <a:fillRef idx="0">
+            <a:schemeClr val="accent1"/>
+          </a:fillRef>
+          <a:effectRef idx="0">
+            <a:schemeClr val="accent1"/>
+          </a:effectRef>
+          <a:fontRef idx="minor">
+            <a:schemeClr val="tx1"/>
+          </a:fontRef>
+        </p:style>
+      </p:cxnSp>
+      <p:cxnSp>
+        <p:nvCxnSpPr>
+          <p:cNvPr id="55" name="Straight Arrow Connector 54"/>
+          <p:cNvCxnSpPr>
+            <a:stCxn id="27" idx="3"/>
+            <a:endCxn id="7" idx="2"/>
+          </p:cNvCxnSpPr>
+          <p:nvPr/>
+        </p:nvCxnSpPr>
+        <p:spPr>
+          <a:xfrm flipV="1">
+            <a:off x="5857884" y="5786454"/>
+            <a:ext cx="357190" cy="107157"/>
+          </a:xfrm>
+          <a:prstGeom prst="straightConnector1">
+            <a:avLst/>
+          </a:prstGeom>
+          <a:ln>
+            <a:tailEnd type="arrow"/>
+          </a:ln>
+        </p:spPr>
+        <p:style>
+          <a:lnRef idx="1">
+            <a:schemeClr val="accent1"/>
+          </a:lnRef>
+          <a:fillRef idx="0">
+            <a:schemeClr val="accent1"/>
+          </a:fillRef>
+          <a:effectRef idx="0">
+            <a:schemeClr val="accent1"/>
+          </a:effectRef>
+          <a:fontRef idx="minor">
+            <a:schemeClr val="tx1"/>
+          </a:fontRef>
+        </p:style>
+      </p:cxnSp>
+      <p:cxnSp>
+        <p:nvCxnSpPr>
+          <p:cNvPr id="61" name="Straight Arrow Connector 60"/>
+          <p:cNvCxnSpPr>
+            <a:stCxn id="7" idx="4"/>
+          </p:cNvCxnSpPr>
+          <p:nvPr/>
+        </p:nvCxnSpPr>
+        <p:spPr>
+          <a:xfrm>
+            <a:off x="7000892" y="5786454"/>
+            <a:ext cx="785818" cy="142877"/>
+          </a:xfrm>
+          <a:prstGeom prst="straightConnector1">
+            <a:avLst/>
+          </a:prstGeom>
+          <a:ln>
+            <a:tailEnd type="arrow"/>
+          </a:ln>
+        </p:spPr>
+        <p:style>
+          <a:lnRef idx="1">
+            <a:schemeClr val="accent1"/>
+          </a:lnRef>
+          <a:fillRef idx="0">
+            <a:schemeClr val="accent1"/>
+          </a:fillRef>
+          <a:effectRef idx="0">
+            <a:schemeClr val="accent1"/>
+          </a:effectRef>
+          <a:fontRef idx="minor">
+            <a:schemeClr val="tx1"/>
+          </a:fontRef>
+        </p:style>
+      </p:cxnSp>
+      <p:sp>
+        <p:nvSpPr>
+          <p:cNvPr id="37" name="Can 36"/>
+          <p:cNvSpPr/>
+          <p:nvPr/>
+        </p:nvSpPr>
+        <p:spPr>
+          <a:xfrm>
+            <a:off x="6286512" y="6215082"/>
+            <a:ext cx="785818" cy="642918"/>
+          </a:xfrm>
+          <a:prstGeom prst="can">
+            <a:avLst/>
+          </a:prstGeom>
+        </p:spPr>
+        <p:style>
+          <a:lnRef idx="2">
+            <a:schemeClr val="accent1">
+              <a:shade val="50000"/>
+            </a:schemeClr>
+          </a:lnRef>
+          <a:fillRef idx="1">
+            <a:schemeClr val="accent1"/>
+          </a:fillRef>
+          <a:effectRef idx="0">
+            <a:schemeClr val="accent1"/>
+          </a:effectRef>
+          <a:fontRef idx="minor">
+            <a:schemeClr val="lt1"/>
+          </a:fontRef>
+        </p:style>
+        <p:txBody>
+          <a:bodyPr rtlCol="0" anchor="ctr"/>
+          <a:lstStyle/>
+          <a:p>
+            <a:pPr algn="ctr"/>
+            <a:r>
+              <a:rPr lang="en-IN" sz="1600" dirty="0" smtClean="0"/>
+              <a:t>Blob</a:t>
+            </a:r>
+            <a:endParaRPr lang="en-US" sz="1600" dirty="0"/>
+          </a:p>
+        </p:txBody>
+      </p:sp>
+      <p:cxnSp>
+        <p:nvCxnSpPr>
+          <p:cNvPr id="43" name="Straight Arrow Connector 42"/>
+          <p:cNvCxnSpPr>
+            <a:stCxn id="27" idx="3"/>
+            <a:endCxn id="37" idx="2"/>
+          </p:cNvCxnSpPr>
+          <p:nvPr/>
+        </p:nvCxnSpPr>
+        <p:spPr>
+          <a:xfrm>
+            <a:off x="5857884" y="5893611"/>
+            <a:ext cx="428628" cy="642930"/>
+          </a:xfrm>
+          <a:prstGeom prst="straightConnector1">
+            <a:avLst/>
+          </a:prstGeom>
+          <a:ln>
+            <a:tailEnd type="arrow"/>
+          </a:ln>
+        </p:spPr>
+        <p:style>
+          <a:lnRef idx="1">
+            <a:schemeClr val="accent1"/>
+          </a:lnRef>
+          <a:fillRef idx="0">
+            <a:schemeClr val="accent1"/>
+          </a:fillRef>
+          <a:effectRef idx="0">
+            <a:schemeClr val="accent1"/>
+          </a:effectRef>
+          <a:fontRef idx="minor">
+            <a:schemeClr val="tx1"/>
+          </a:fontRef>
+        </p:style>
+      </p:cxnSp>
+      <p:cxnSp>
+        <p:nvCxnSpPr>
+          <p:cNvPr id="53" name="Straight Arrow Connector 52"/>
+          <p:cNvCxnSpPr/>
+          <p:nvPr/>
+        </p:nvCxnSpPr>
+        <p:spPr>
+          <a:xfrm flipV="1">
+            <a:off x="7072330" y="5929330"/>
+            <a:ext cx="714380" cy="535773"/>
           </a:xfrm>
           <a:prstGeom prst="straightConnector1">
             <a:avLst/>
